--- a/web/jsp/board.pptx
+++ b/web/jsp/board.pptx
@@ -1,103 +1,103 @@
 
 <file path=ppt/presentation.xml><?xml version="1.0" encoding="utf-8"?>
-<p:presentation xmlns:r="http://schemas.openxmlformats.org/officeDocument/2006/relationships" xmlns:c="http://schemas.openxmlformats.org/drawingml/2006/chart" xmlns:a="http://schemas.openxmlformats.org/drawingml/2006/main" xmlns:dgm="http://schemas.openxmlformats.org/drawingml/2006/diagram" xmlns:dsp="http://schemas.microsoft.com/office/drawing/2008/diagram" xmlns:p="http://schemas.openxmlformats.org/presentationml/2006/main" saveSubsetFonts="1" autoCompressPictures="0">
+<p:presentation xmlns:a="http://schemas.openxmlformats.org/drawingml/2006/main" xmlns:r="http://schemas.openxmlformats.org/officeDocument/2006/relationships" xmlns:p="http://schemas.openxmlformats.org/presentationml/2006/main" saveSubsetFonts="1" autoCompressPictures="0">
   <p:sldMasterIdLst>
     <p:sldMasterId id="2147483660" r:id="rId1"/>
   </p:sldMasterIdLst>
   <p:notesMasterIdLst>
-    <p:notesMasterId r:id="rId2"/>
+    <p:notesMasterId r:id="rId92"/>
   </p:notesMasterIdLst>
   <p:sldIdLst>
-    <p:sldId id="256" r:id="rId3"/>
-    <p:sldId id="257" r:id="rId4"/>
-    <p:sldId id="258" r:id="rId5"/>
-    <p:sldId id="259" r:id="rId6"/>
-    <p:sldId id="260" r:id="rId7"/>
-    <p:sldId id="261" r:id="rId8"/>
-    <p:sldId id="262" r:id="rId9"/>
-    <p:sldId id="263" r:id="rId10"/>
-    <p:sldId id="264" r:id="rId11"/>
-    <p:sldId id="265" r:id="rId12"/>
-    <p:sldId id="266" r:id="rId13"/>
-    <p:sldId id="267" r:id="rId14"/>
-    <p:sldId id="268" r:id="rId15"/>
-    <p:sldId id="269" r:id="rId16"/>
-    <p:sldId id="270" r:id="rId17"/>
-    <p:sldId id="271" r:id="rId18"/>
-    <p:sldId id="272" r:id="rId19"/>
-    <p:sldId id="273" r:id="rId20"/>
-    <p:sldId id="274" r:id="rId21"/>
-    <p:sldId id="275" r:id="rId22"/>
-    <p:sldId id="276" r:id="rId23"/>
-    <p:sldId id="277" r:id="rId24"/>
-    <p:sldId id="278" r:id="rId25"/>
-    <p:sldId id="279" r:id="rId26"/>
-    <p:sldId id="280" r:id="rId27"/>
-    <p:sldId id="281" r:id="rId28"/>
-    <p:sldId id="282" r:id="rId29"/>
-    <p:sldId id="283" r:id="rId30"/>
-    <p:sldId id="284" r:id="rId31"/>
-    <p:sldId id="285" r:id="rId32"/>
-    <p:sldId id="286" r:id="rId33"/>
-    <p:sldId id="287" r:id="rId34"/>
-    <p:sldId id="288" r:id="rId35"/>
-    <p:sldId id="289" r:id="rId36"/>
-    <p:sldId id="290" r:id="rId37"/>
-    <p:sldId id="291" r:id="rId38"/>
-    <p:sldId id="292" r:id="rId39"/>
-    <p:sldId id="293" r:id="rId40"/>
-    <p:sldId id="294" r:id="rId41"/>
-    <p:sldId id="295" r:id="rId42"/>
-    <p:sldId id="296" r:id="rId43"/>
-    <p:sldId id="297" r:id="rId44"/>
-    <p:sldId id="298" r:id="rId45"/>
-    <p:sldId id="299" r:id="rId46"/>
-    <p:sldId id="300" r:id="rId47"/>
-    <p:sldId id="301" r:id="rId48"/>
-    <p:sldId id="302" r:id="rId49"/>
-    <p:sldId id="303" r:id="rId50"/>
-    <p:sldId id="304" r:id="rId51"/>
-    <p:sldId id="305" r:id="rId52"/>
-    <p:sldId id="306" r:id="rId53"/>
-    <p:sldId id="307" r:id="rId54"/>
-    <p:sldId id="308" r:id="rId55"/>
-    <p:sldId id="309" r:id="rId56"/>
-    <p:sldId id="310" r:id="rId57"/>
-    <p:sldId id="311" r:id="rId58"/>
-    <p:sldId id="312" r:id="rId59"/>
-    <p:sldId id="313" r:id="rId60"/>
-    <p:sldId id="314" r:id="rId61"/>
-    <p:sldId id="315" r:id="rId62"/>
-    <p:sldId id="316" r:id="rId63"/>
-    <p:sldId id="317" r:id="rId64"/>
-    <p:sldId id="318" r:id="rId65"/>
-    <p:sldId id="319" r:id="rId66"/>
-    <p:sldId id="320" r:id="rId67"/>
-    <p:sldId id="321" r:id="rId68"/>
-    <p:sldId id="322" r:id="rId69"/>
-    <p:sldId id="323" r:id="rId70"/>
-    <p:sldId id="324" r:id="rId71"/>
-    <p:sldId id="325" r:id="rId72"/>
-    <p:sldId id="326" r:id="rId73"/>
-    <p:sldId id="327" r:id="rId74"/>
-    <p:sldId id="328" r:id="rId75"/>
-    <p:sldId id="329" r:id="rId76"/>
-    <p:sldId id="330" r:id="rId77"/>
-    <p:sldId id="331" r:id="rId78"/>
-    <p:sldId id="332" r:id="rId79"/>
-    <p:sldId id="333" r:id="rId80"/>
-    <p:sldId id="334" r:id="rId81"/>
-    <p:sldId id="335" r:id="rId82"/>
-    <p:sldId id="336" r:id="rId83"/>
-    <p:sldId id="337" r:id="rId84"/>
-    <p:sldId id="338" r:id="rId85"/>
-    <p:sldId id="339" r:id="rId86"/>
-    <p:sldId id="340" r:id="rId87"/>
-    <p:sldId id="341" r:id="rId88"/>
-    <p:sldId id="342" r:id="rId89"/>
-    <p:sldId id="343" r:id="rId90"/>
-    <p:sldId id="344" r:id="rId91"/>
-    <p:sldId id="345" r:id="rId92"/>
+    <p:sldId id="256" r:id="rId2"/>
+    <p:sldId id="257" r:id="rId3"/>
+    <p:sldId id="258" r:id="rId4"/>
+    <p:sldId id="259" r:id="rId5"/>
+    <p:sldId id="260" r:id="rId6"/>
+    <p:sldId id="261" r:id="rId7"/>
+    <p:sldId id="262" r:id="rId8"/>
+    <p:sldId id="263" r:id="rId9"/>
+    <p:sldId id="264" r:id="rId10"/>
+    <p:sldId id="265" r:id="rId11"/>
+    <p:sldId id="266" r:id="rId12"/>
+    <p:sldId id="267" r:id="rId13"/>
+    <p:sldId id="268" r:id="rId14"/>
+    <p:sldId id="269" r:id="rId15"/>
+    <p:sldId id="270" r:id="rId16"/>
+    <p:sldId id="271" r:id="rId17"/>
+    <p:sldId id="275" r:id="rId18"/>
+    <p:sldId id="276" r:id="rId19"/>
+    <p:sldId id="277" r:id="rId20"/>
+    <p:sldId id="278" r:id="rId21"/>
+    <p:sldId id="279" r:id="rId22"/>
+    <p:sldId id="280" r:id="rId23"/>
+    <p:sldId id="346" r:id="rId24"/>
+    <p:sldId id="347" r:id="rId25"/>
+    <p:sldId id="348" r:id="rId26"/>
+    <p:sldId id="281" r:id="rId27"/>
+    <p:sldId id="282" r:id="rId28"/>
+    <p:sldId id="283" r:id="rId29"/>
+    <p:sldId id="286" r:id="rId30"/>
+    <p:sldId id="287" r:id="rId31"/>
+    <p:sldId id="349" r:id="rId32"/>
+    <p:sldId id="350" r:id="rId33"/>
+    <p:sldId id="288" r:id="rId34"/>
+    <p:sldId id="289" r:id="rId35"/>
+    <p:sldId id="290" r:id="rId36"/>
+    <p:sldId id="291" r:id="rId37"/>
+    <p:sldId id="292" r:id="rId38"/>
+    <p:sldId id="293" r:id="rId39"/>
+    <p:sldId id="294" r:id="rId40"/>
+    <p:sldId id="295" r:id="rId41"/>
+    <p:sldId id="296" r:id="rId42"/>
+    <p:sldId id="297" r:id="rId43"/>
+    <p:sldId id="298" r:id="rId44"/>
+    <p:sldId id="299" r:id="rId45"/>
+    <p:sldId id="300" r:id="rId46"/>
+    <p:sldId id="301" r:id="rId47"/>
+    <p:sldId id="302" r:id="rId48"/>
+    <p:sldId id="303" r:id="rId49"/>
+    <p:sldId id="304" r:id="rId50"/>
+    <p:sldId id="305" r:id="rId51"/>
+    <p:sldId id="306" r:id="rId52"/>
+    <p:sldId id="307" r:id="rId53"/>
+    <p:sldId id="308" r:id="rId54"/>
+    <p:sldId id="309" r:id="rId55"/>
+    <p:sldId id="310" r:id="rId56"/>
+    <p:sldId id="311" r:id="rId57"/>
+    <p:sldId id="312" r:id="rId58"/>
+    <p:sldId id="313" r:id="rId59"/>
+    <p:sldId id="314" r:id="rId60"/>
+    <p:sldId id="315" r:id="rId61"/>
+    <p:sldId id="316" r:id="rId62"/>
+    <p:sldId id="317" r:id="rId63"/>
+    <p:sldId id="318" r:id="rId64"/>
+    <p:sldId id="319" r:id="rId65"/>
+    <p:sldId id="320" r:id="rId66"/>
+    <p:sldId id="321" r:id="rId67"/>
+    <p:sldId id="322" r:id="rId68"/>
+    <p:sldId id="323" r:id="rId69"/>
+    <p:sldId id="324" r:id="rId70"/>
+    <p:sldId id="325" r:id="rId71"/>
+    <p:sldId id="326" r:id="rId72"/>
+    <p:sldId id="327" r:id="rId73"/>
+    <p:sldId id="328" r:id="rId74"/>
+    <p:sldId id="329" r:id="rId75"/>
+    <p:sldId id="330" r:id="rId76"/>
+    <p:sldId id="331" r:id="rId77"/>
+    <p:sldId id="332" r:id="rId78"/>
+    <p:sldId id="333" r:id="rId79"/>
+    <p:sldId id="334" r:id="rId80"/>
+    <p:sldId id="335" r:id="rId81"/>
+    <p:sldId id="336" r:id="rId82"/>
+    <p:sldId id="337" r:id="rId83"/>
+    <p:sldId id="338" r:id="rId84"/>
+    <p:sldId id="339" r:id="rId85"/>
+    <p:sldId id="340" r:id="rId86"/>
+    <p:sldId id="341" r:id="rId87"/>
+    <p:sldId id="342" r:id="rId88"/>
+    <p:sldId id="343" r:id="rId89"/>
+    <p:sldId id="344" r:id="rId90"/>
+    <p:sldId id="345" r:id="rId91"/>
   </p:sldIdLst>
   <p:sldSz cx="12192000" cy="6858000"/>
   <p:notesSz cx="6858000" cy="9144000"/>
@@ -196,11 +196,16 @@
       </a:defRPr>
     </a:lvl9pPr>
   </p:defaultTextStyle>
+  <p:extLst>
+    <p:ext uri="{EFAFB233-063F-42B5-8137-9DF3F51BA10A}">
+      <p15:sldGuideLst xmlns:p15="http://schemas.microsoft.com/office/powerpoint/2012/main"/>
+    </p:ext>
+  </p:extLst>
 </p:presentation>
 </file>
 
 <file path=ppt/notesMasters/notesMaster1.xml><?xml version="1.0" encoding="utf-8"?>
-<p:notesMaster xmlns:r="http://schemas.openxmlformats.org/officeDocument/2006/relationships" xmlns:c="http://schemas.openxmlformats.org/drawingml/2006/chart" xmlns:a="http://schemas.openxmlformats.org/drawingml/2006/main" xmlns:dgm="http://schemas.openxmlformats.org/drawingml/2006/diagram" xmlns:dsp="http://schemas.microsoft.com/office/drawing/2008/diagram" xmlns:p="http://schemas.openxmlformats.org/presentationml/2006/main">
+<p:notesMaster xmlns:a="http://schemas.openxmlformats.org/drawingml/2006/main" xmlns:r="http://schemas.openxmlformats.org/officeDocument/2006/relationships" xmlns:p="http://schemas.openxmlformats.org/presentationml/2006/main">
   <p:cSld>
     <p:bg>
       <p:bgRef idx="1001">
@@ -228,7 +233,7 @@
             <a:spLocks noGrp="1"/>
           </p:cNvSpPr>
           <p:nvPr>
-            <p:ph type="hdr" sz="quarter" idx="0"/>
+            <p:ph type="hdr" sz="quarter"/>
           </p:nvPr>
         </p:nvSpPr>
         <p:spPr>
@@ -251,10 +256,6 @@
             <a:pPr lvl="0">
               <a:defRPr/>
             </a:pPr>
-            <a:r>
-              <a:rPr lang="ko-KR" altLang="en-US"/>
-              <a:t/>
-            </a:r>
             <a:endParaRPr lang="ko-KR" altLang="en-US"/>
           </a:p>
         </p:txBody>
@@ -294,7 +295,7 @@
               <a:pPr lvl="0">
                 <a:defRPr/>
               </a:pPr>
-              <a:t>2024-02-13</a:t>
+              <a:t>2024-02-15</a:t>
             </a:fld>
             <a:endParaRPr lang="ko-KR" altLang="en-US"/>
           </a:p>
@@ -366,7 +367,6 @@
               <a:rPr lang="ko-KR" altLang="en-US"/>
               <a:t>마스터 텍스트 스타일을 편집하려면 클릭</a:t>
             </a:r>
-            <a:endParaRPr lang="ko-KR" altLang="en-US"/>
           </a:p>
           <a:p>
             <a:pPr lvl="1">
@@ -376,7 +376,6 @@
               <a:rPr lang="ko-KR" altLang="en-US"/>
               <a:t>두 번째 수준</a:t>
             </a:r>
-            <a:endParaRPr lang="ko-KR" altLang="en-US"/>
           </a:p>
           <a:p>
             <a:pPr lvl="2">
@@ -386,7 +385,6 @@
               <a:rPr lang="ko-KR" altLang="en-US"/>
               <a:t>세 번째 수준</a:t>
             </a:r>
-            <a:endParaRPr lang="ko-KR" altLang="en-US"/>
           </a:p>
           <a:p>
             <a:pPr lvl="3">
@@ -396,7 +394,6 @@
               <a:rPr lang="ko-KR" altLang="en-US"/>
               <a:t>네 번째 수준</a:t>
             </a:r>
-            <a:endParaRPr lang="ko-KR" altLang="en-US"/>
           </a:p>
           <a:p>
             <a:pPr lvl="4">
@@ -406,7 +403,6 @@
               <a:rPr lang="ko-KR" altLang="en-US"/>
               <a:t>다섯 번째 수준</a:t>
             </a:r>
-            <a:endParaRPr lang="ko-KR" altLang="en-US"/>
           </a:p>
         </p:txBody>
       </p:sp>
@@ -440,10 +436,6 @@
             <a:pPr lvl="0">
               <a:defRPr/>
             </a:pPr>
-            <a:r>
-              <a:rPr lang="ko-KR" altLang="en-US"/>
-              <a:t/>
-            </a:r>
             <a:endParaRPr lang="ko-KR" altLang="en-US"/>
           </a:p>
         </p:txBody>
@@ -589,7 +581,7 @@
 </file>
 
 <file path=ppt/notesSlides/notesSlide1.xml><?xml version="1.0" encoding="utf-8"?>
-<p:notes xmlns:r="http://schemas.openxmlformats.org/officeDocument/2006/relationships" xmlns:c="http://schemas.openxmlformats.org/drawingml/2006/chart" xmlns:a="http://schemas.openxmlformats.org/drawingml/2006/main" xmlns:dgm="http://schemas.openxmlformats.org/drawingml/2006/diagram" xmlns:dsp="http://schemas.microsoft.com/office/drawing/2008/diagram" xmlns:p="http://schemas.openxmlformats.org/presentationml/2006/main">
+<p:notes xmlns:a="http://schemas.openxmlformats.org/drawingml/2006/main" xmlns:r="http://schemas.openxmlformats.org/officeDocument/2006/relationships" xmlns:p="http://schemas.openxmlformats.org/presentationml/2006/main">
   <p:cSld>
     <p:spTree>
       <p:nvGrpSpPr>
@@ -612,7 +604,7 @@
             <a:spLocks noGrp="1" noRot="1" noChangeAspect="1" noTextEdit="1"/>
           </p:cNvSpPr>
           <p:nvPr>
-            <p:ph type="sldImg" idx="0"/>
+            <p:ph type="sldImg"/>
           </p:nvPr>
         </p:nvSpPr>
         <p:spPr/>
@@ -635,10 +627,6 @@
             <a:pPr lvl="0">
               <a:defRPr/>
             </a:pPr>
-            <a:r>
-              <a:rPr lang="ko-KR" altLang="en-US"/>
-              <a:t/>
-            </a:r>
             <a:endParaRPr lang="ko-KR" altLang="en-US"/>
           </a:p>
         </p:txBody>
@@ -827,7 +815,7 @@
           <a:p>
             <a:fld id="{94CE0F77-A640-5D46-B7F1-742F5846536B}" type="datetimeFigureOut">
               <a:rPr kumimoji="1" lang="ko-KR" altLang="en-US" smtClean="0"/>
-              <a:t>2023-09-25</a:t>
+              <a:t>2024-02-15</a:t>
             </a:fld>
             <a:endParaRPr kumimoji="1" lang="ko-KR" altLang="en-US"/>
           </a:p>
@@ -1000,7 +988,7 @@
           <a:p>
             <a:fld id="{94CE0F77-A640-5D46-B7F1-742F5846536B}" type="datetimeFigureOut">
               <a:rPr kumimoji="1" lang="ko-KR" altLang="en-US" smtClean="0"/>
-              <a:t>2023-09-25</a:t>
+              <a:t>2024-02-15</a:t>
             </a:fld>
             <a:endParaRPr kumimoji="1" lang="ko-KR" altLang="en-US"/>
           </a:p>
@@ -1183,7 +1171,7 @@
           <a:p>
             <a:fld id="{94CE0F77-A640-5D46-B7F1-742F5846536B}" type="datetimeFigureOut">
               <a:rPr kumimoji="1" lang="ko-KR" altLang="en-US" smtClean="0"/>
-              <a:t>2023-09-25</a:t>
+              <a:t>2024-02-15</a:t>
             </a:fld>
             <a:endParaRPr kumimoji="1" lang="ko-KR" altLang="en-US"/>
           </a:p>
@@ -1356,7 +1344,7 @@
           <a:p>
             <a:fld id="{94CE0F77-A640-5D46-B7F1-742F5846536B}" type="datetimeFigureOut">
               <a:rPr kumimoji="1" lang="ko-KR" altLang="en-US" smtClean="0"/>
-              <a:t>2023-09-25</a:t>
+              <a:t>2024-02-15</a:t>
             </a:fld>
             <a:endParaRPr kumimoji="1" lang="ko-KR" altLang="en-US"/>
           </a:p>
@@ -1634,7 +1622,7 @@
           <a:p>
             <a:fld id="{94CE0F77-A640-5D46-B7F1-742F5846536B}" type="datetimeFigureOut">
               <a:rPr kumimoji="1" lang="ko-KR" altLang="en-US" smtClean="0"/>
-              <a:t>2023-09-25</a:t>
+              <a:t>2024-02-15</a:t>
             </a:fld>
             <a:endParaRPr kumimoji="1" lang="ko-KR" altLang="en-US"/>
           </a:p>
@@ -1849,7 +1837,7 @@
           <a:p>
             <a:fld id="{94CE0F77-A640-5D46-B7F1-742F5846536B}" type="datetimeFigureOut">
               <a:rPr kumimoji="1" lang="ko-KR" altLang="en-US" smtClean="0"/>
-              <a:t>2023-09-25</a:t>
+              <a:t>2024-02-15</a:t>
             </a:fld>
             <a:endParaRPr kumimoji="1" lang="ko-KR" altLang="en-US"/>
           </a:p>
@@ -2217,7 +2205,7 @@
           <a:p>
             <a:fld id="{94CE0F77-A640-5D46-B7F1-742F5846536B}" type="datetimeFigureOut">
               <a:rPr kumimoji="1" lang="ko-KR" altLang="en-US" smtClean="0"/>
-              <a:t>2023-09-25</a:t>
+              <a:t>2024-02-15</a:t>
             </a:fld>
             <a:endParaRPr kumimoji="1" lang="ko-KR" altLang="en-US"/>
           </a:p>
@@ -2358,7 +2346,7 @@
           <a:p>
             <a:fld id="{94CE0F77-A640-5D46-B7F1-742F5846536B}" type="datetimeFigureOut">
               <a:rPr kumimoji="1" lang="ko-KR" altLang="en-US" smtClean="0"/>
-              <a:t>2023-09-25</a:t>
+              <a:t>2024-02-15</a:t>
             </a:fld>
             <a:endParaRPr kumimoji="1" lang="ko-KR" altLang="en-US"/>
           </a:p>
@@ -2471,7 +2459,7 @@
           <a:p>
             <a:fld id="{94CE0F77-A640-5D46-B7F1-742F5846536B}" type="datetimeFigureOut">
               <a:rPr kumimoji="1" lang="ko-KR" altLang="en-US" smtClean="0"/>
-              <a:t>2023-09-25</a:t>
+              <a:t>2024-02-15</a:t>
             </a:fld>
             <a:endParaRPr kumimoji="1" lang="ko-KR" altLang="en-US"/>
           </a:p>
@@ -2760,7 +2748,7 @@
           <a:p>
             <a:fld id="{94CE0F77-A640-5D46-B7F1-742F5846536B}" type="datetimeFigureOut">
               <a:rPr kumimoji="1" lang="ko-KR" altLang="en-US" smtClean="0"/>
-              <a:t>2023-09-25</a:t>
+              <a:t>2024-02-15</a:t>
             </a:fld>
             <a:endParaRPr kumimoji="1" lang="ko-KR" altLang="en-US"/>
           </a:p>
@@ -3051,7 +3039,7 @@
           <a:p>
             <a:fld id="{94CE0F77-A640-5D46-B7F1-742F5846536B}" type="datetimeFigureOut">
               <a:rPr kumimoji="1" lang="ko-KR" altLang="en-US" smtClean="0"/>
-              <a:t>2023-09-25</a:t>
+              <a:t>2024-02-15</a:t>
             </a:fld>
             <a:endParaRPr kumimoji="1" lang="ko-KR" altLang="en-US"/>
           </a:p>
@@ -3267,7 +3255,7 @@
           <a:p>
             <a:fld id="{94CE0F77-A640-5D46-B7F1-742F5846536B}" type="datetimeFigureOut">
               <a:rPr kumimoji="1" lang="ko-KR" altLang="en-US" smtClean="0"/>
-              <a:t>2023-09-25</a:t>
+              <a:t>2024-02-15</a:t>
             </a:fld>
             <a:endParaRPr kumimoji="1" lang="ko-KR" altLang="en-US"/>
           </a:p>
@@ -4186,7 +4174,7 @@
 </file>
 
 <file path=ppt/slides/slide13.xml><?xml version="1.0" encoding="utf-8"?>
-<p:sld xmlns:r="http://schemas.openxmlformats.org/officeDocument/2006/relationships" xmlns:c="http://schemas.openxmlformats.org/drawingml/2006/chart" xmlns:a="http://schemas.openxmlformats.org/drawingml/2006/main" xmlns:dgm="http://schemas.openxmlformats.org/drawingml/2006/diagram" xmlns:dsp="http://schemas.microsoft.com/office/drawing/2008/diagram" xmlns:p="http://schemas.openxmlformats.org/presentationml/2006/main">
+<p:sld xmlns:a="http://schemas.openxmlformats.org/drawingml/2006/main" xmlns:r="http://schemas.openxmlformats.org/officeDocument/2006/relationships" xmlns:p="http://schemas.openxmlformats.org/presentationml/2006/main">
   <p:cSld>
     <p:spTree>
       <p:nvGrpSpPr>
@@ -4209,7 +4197,7 @@
             <a:spLocks noGrp="1"/>
           </p:cNvSpPr>
           <p:nvPr>
-            <p:ph type="title" idx="0"/>
+            <p:ph type="title"/>
           </p:nvPr>
         </p:nvSpPr>
         <p:spPr>
@@ -4255,7 +4243,6 @@
               <a:rPr lang="en-US" altLang="ko-KR" sz="1800"/>
               <a:t>.</a:t>
             </a:r>
-            <a:endParaRPr lang="en-US" altLang="ko-KR" sz="1800"/>
           </a:p>
         </p:txBody>
       </p:sp>
@@ -4309,13 +4296,12 @@
               <a:rPr lang="ko-KR" altLang="en-US" sz="1800"/>
               <a:t>파일이 복사되었는지 확인</a:t>
             </a:r>
-            <a:endParaRPr lang="ko-KR" altLang="en-US" sz="1800"/>
           </a:p>
         </p:txBody>
       </p:sp>
       <p:pic>
         <p:nvPicPr>
-          <p:cNvPr id="11" name=""/>
+          <p:cNvPr id="11" name="그림 10"/>
           <p:cNvPicPr>
             <a:picLocks noChangeAspect="1"/>
           </p:cNvPicPr>
@@ -4339,7 +4325,7 @@
       </p:pic>
       <p:pic>
         <p:nvPicPr>
-          <p:cNvPr id="12" name=""/>
+          <p:cNvPr id="12" name="그림 11"/>
           <p:cNvPicPr>
             <a:picLocks noChangeAspect="1"/>
           </p:cNvPicPr>
@@ -4366,11 +4352,11 @@
   <p:clrMapOvr>
     <a:masterClrMapping/>
   </p:clrMapOvr>
-  <mc:AlternateContent xmlns:mc="http://schemas.openxmlformats.org/markup-compatibility/2006">
-    <mc:Choice xmlns:p14="http://schemas.microsoft.com/office/powerpoint/2010/main" Requires="p14">
-      <p:transition xmlns:mc="http://schemas.openxmlformats.org/markup-compatibility/2006" xmlns:p14="http://schemas.microsoft.com/office/powerpoint/2010/main" mc:Ignorable="p14" p14:dur="500"/>
+  <mc:AlternateContent xmlns:mc="http://schemas.openxmlformats.org/markup-compatibility/2006" xmlns:p14="http://schemas.microsoft.com/office/powerpoint/2010/main">
+    <mc:Choice Requires="p14">
+      <p:transition/>
     </mc:Choice>
-    <mc:Fallback>
+    <mc:Fallback xmlns:dsp="http://schemas.microsoft.com/office/drawing/2008/diagram" xmlns:dgm="http://schemas.openxmlformats.org/drawingml/2006/diagram" xmlns:c="http://schemas.openxmlformats.org/drawingml/2006/chart" xmlns="">
       <p:transition/>
     </mc:Fallback>
   </mc:AlternateContent>
@@ -4814,7 +4800,7 @@
           <p:cNvPr id="5" name="그림 4">
             <a:extLst>
               <a:ext uri="{FF2B5EF4-FFF2-40B4-BE49-F238E27FC236}">
-                <a16:creationId xmlns:a16="http://schemas.microsoft.com/office/drawing/2014/main" id="{303A0CB5-7B6E-0A28-0C90-CDE24F3C220F}"/>
+                <a16:creationId xmlns:a16="http://schemas.microsoft.com/office/drawing/2014/main" id="{D3AADDE0-209D-DD50-3060-39A095F4DD55}"/>
               </a:ext>
             </a:extLst>
           </p:cNvPr>
@@ -4831,38 +4817,8 @@
         </p:blipFill>
         <p:spPr>
           <a:xfrm>
-            <a:off x="196091" y="437528"/>
-            <a:ext cx="6515823" cy="5883760"/>
-          </a:xfrm>
-          <a:prstGeom prst="rect">
-            <a:avLst/>
-          </a:prstGeom>
-        </p:spPr>
-      </p:pic>
-      <p:pic>
-        <p:nvPicPr>
-          <p:cNvPr id="2" name="그림 1">
-            <a:extLst>
-              <a:ext uri="{FF2B5EF4-FFF2-40B4-BE49-F238E27FC236}">
-                <a16:creationId xmlns:a16="http://schemas.microsoft.com/office/drawing/2014/main" id="{9A4ABF3A-FDF9-1425-4433-604E2ECFA2FC}"/>
-              </a:ext>
-            </a:extLst>
-          </p:cNvPr>
-          <p:cNvPicPr>
-            <a:picLocks noChangeAspect="1"/>
-          </p:cNvPicPr>
-          <p:nvPr/>
-        </p:nvPicPr>
-        <p:blipFill>
-          <a:blip r:embed="rId3"/>
-          <a:stretch>
-            <a:fillRect/>
-          </a:stretch>
-        </p:blipFill>
-        <p:spPr>
-          <a:xfrm>
-            <a:off x="7301948" y="677843"/>
-            <a:ext cx="4693961" cy="5502314"/>
+            <a:off x="2933700" y="495300"/>
+            <a:ext cx="6324600" cy="5867400"/>
           </a:xfrm>
           <a:prstGeom prst="rect">
             <a:avLst/>
@@ -4872,7 +4828,7 @@
     </p:spTree>
     <p:extLst>
       <p:ext uri="{BB962C8B-B14F-4D97-AF65-F5344CB8AC3E}">
-        <p14:creationId xmlns:p14="http://schemas.microsoft.com/office/powerpoint/2010/main" val="2488449435"/>
+        <p14:creationId xmlns:p14="http://schemas.microsoft.com/office/powerpoint/2010/main" val="2583501649"/>
       </p:ext>
     </p:extLst>
   </p:cSld>
@@ -4904,7 +4860,7 @@
           <p:cNvPr id="5" name="그림 4">
             <a:extLst>
               <a:ext uri="{FF2B5EF4-FFF2-40B4-BE49-F238E27FC236}">
-                <a16:creationId xmlns:a16="http://schemas.microsoft.com/office/drawing/2014/main" id="{DD26746E-965F-E0C2-8D26-C8EECEDE9E63}"/>
+                <a16:creationId xmlns:a16="http://schemas.microsoft.com/office/drawing/2014/main" id="{76764325-5C15-583B-CF11-DE19F06C3998}"/>
               </a:ext>
             </a:extLst>
           </p:cNvPr>
@@ -4921,38 +4877,8 @@
         </p:blipFill>
         <p:spPr>
           <a:xfrm>
-            <a:off x="161511" y="361743"/>
-            <a:ext cx="6515100" cy="5895975"/>
-          </a:xfrm>
-          <a:prstGeom prst="rect">
-            <a:avLst/>
-          </a:prstGeom>
-        </p:spPr>
-      </p:pic>
-      <p:pic>
-        <p:nvPicPr>
-          <p:cNvPr id="7" name="그림 6">
-            <a:extLst>
-              <a:ext uri="{FF2B5EF4-FFF2-40B4-BE49-F238E27FC236}">
-                <a16:creationId xmlns:a16="http://schemas.microsoft.com/office/drawing/2014/main" id="{582782DF-F764-5D03-787F-B0441848BEBA}"/>
-              </a:ext>
-            </a:extLst>
-          </p:cNvPr>
-          <p:cNvPicPr>
-            <a:picLocks noChangeAspect="1"/>
-          </p:cNvPicPr>
-          <p:nvPr/>
-        </p:nvPicPr>
-        <p:blipFill>
-          <a:blip r:embed="rId3"/>
-          <a:stretch>
-            <a:fillRect/>
-          </a:stretch>
-        </p:blipFill>
-        <p:spPr>
-          <a:xfrm>
-            <a:off x="7120973" y="819150"/>
-            <a:ext cx="4867275" cy="5219700"/>
+            <a:off x="3429000" y="328612"/>
+            <a:ext cx="5334000" cy="6200775"/>
           </a:xfrm>
           <a:prstGeom prst="rect">
             <a:avLst/>
@@ -4962,7 +4888,7 @@
     </p:spTree>
     <p:extLst>
       <p:ext uri="{BB962C8B-B14F-4D97-AF65-F5344CB8AC3E}">
-        <p14:creationId xmlns:p14="http://schemas.microsoft.com/office/powerpoint/2010/main" val="630553594"/>
+        <p14:creationId xmlns:p14="http://schemas.microsoft.com/office/powerpoint/2010/main" val="1158396440"/>
       </p:ext>
     </p:extLst>
   </p:cSld>
@@ -4994,7 +4920,7 @@
           <p:cNvPr id="3" name="내용 개체 틀 2">
             <a:extLst>
               <a:ext uri="{FF2B5EF4-FFF2-40B4-BE49-F238E27FC236}">
-                <a16:creationId xmlns:a16="http://schemas.microsoft.com/office/drawing/2014/main" id="{67E37C4C-ED30-E244-8908-A83ED07FC0B0}"/>
+                <a16:creationId xmlns:a16="http://schemas.microsoft.com/office/drawing/2014/main" id="{87CAD5DD-DEAB-CF49-90A3-8EE469CCCD32}"/>
               </a:ext>
             </a:extLst>
           </p:cNvPr>
@@ -5007,36 +4933,32 @@
         </p:nvSpPr>
         <p:spPr>
           <a:xfrm>
-            <a:off x="838200" y="400692"/>
-            <a:ext cx="10515600" cy="5776271"/>
+            <a:off x="838200" y="359595"/>
+            <a:ext cx="10515600" cy="5817367"/>
           </a:xfrm>
         </p:spPr>
         <p:txBody>
-          <a:bodyPr>
-            <a:normAutofit fontScale="92500" lnSpcReduction="20000"/>
-          </a:bodyPr>
+          <a:bodyPr/>
           <a:lstStyle/>
           <a:p>
             <a:pPr marL="0" indent="0">
               <a:buNone/>
             </a:pPr>
-            <a:endParaRPr kumimoji="1" lang="en-US" altLang="ko-KR" dirty="0"/>
-          </a:p>
-          <a:p>
-            <a:pPr marL="0" indent="0">
-              <a:buNone/>
-            </a:pPr>
             <a:r>
               <a:rPr kumimoji="1" lang="ko-KR" altLang="en-US" dirty="0"/>
-              <a:t>먼저 </a:t>
+              <a:t>리스트 페이지가 열리도록하기 위해 </a:t>
+            </a:r>
+            <a:r>
+              <a:rPr kumimoji="1" lang="en-US" altLang="ko-KR" dirty="0" err="1"/>
+              <a:t>FrontController</a:t>
             </a:r>
             <a:r>
               <a:rPr kumimoji="1" lang="ko-KR" altLang="en-US" dirty="0" err="1"/>
-              <a:t>게시글</a:t>
+              <a:t>를</a:t>
             </a:r>
             <a:r>
               <a:rPr kumimoji="1" lang="ko-KR" altLang="en-US" dirty="0"/>
-              <a:t> 쓰기가 있어야 한다</a:t>
+              <a:t> 만들어주어야 한다</a:t>
             </a:r>
             <a:r>
               <a:rPr kumimoji="1" lang="en-US" altLang="ko-KR" dirty="0"/>
@@ -5048,176 +4970,127 @@
               <a:buNone/>
             </a:pPr>
             <a:r>
+              <a:rPr kumimoji="1" lang="en-US" altLang="ko-KR" dirty="0"/>
+              <a:t>java resource</a:t>
+            </a:r>
+            <a:r>
               <a:rPr kumimoji="1" lang="ko-KR" altLang="en-US" dirty="0"/>
-              <a:t>게시판 리스트 페이지가 필요하므로  </a:t>
-            </a:r>
-            <a:r>
-              <a:rPr kumimoji="1" lang="en-US" altLang="ko-KR" dirty="0"/>
-              <a:t>board/</a:t>
+              <a:t>에서 </a:t>
             </a:r>
             <a:r>
               <a:rPr kumimoji="1" lang="en-US" altLang="ko-KR" dirty="0" err="1"/>
-              <a:t>boardList.jsp</a:t>
-            </a:r>
-            <a:r>
-              <a:rPr kumimoji="1" lang="en-US" altLang="ko-KR" dirty="0"/>
-              <a:t> </a:t>
+              <a:t>BoardFrontController</a:t>
             </a:r>
             <a:r>
               <a:rPr kumimoji="1" lang="ko-KR" altLang="en-US" dirty="0"/>
-              <a:t>파일을 생성시킨다</a:t>
+              <a:t>클래스 파일을 만들어준다</a:t>
             </a:r>
             <a:r>
               <a:rPr kumimoji="1" lang="en-US" altLang="ko-KR" dirty="0"/>
               <a:t>.</a:t>
             </a:r>
-          </a:p>
-          <a:p>
-            <a:pPr marL="0" indent="0">
-              <a:buNone/>
-            </a:pPr>
-            <a:r>
-              <a:rPr lang="en" altLang="ko-KR" dirty="0"/>
-              <a:t>&lt;!DOCTYPE html&gt;</a:t>
-            </a:r>
-          </a:p>
-          <a:p>
-            <a:pPr marL="0" indent="0">
-              <a:buNone/>
-            </a:pPr>
-            <a:r>
-              <a:rPr lang="en" altLang="ko-KR" dirty="0"/>
-              <a:t>&lt;html&gt;</a:t>
-            </a:r>
-          </a:p>
-          <a:p>
-            <a:pPr marL="0" indent="0">
-              <a:buNone/>
-            </a:pPr>
-            <a:r>
-              <a:rPr lang="en" altLang="ko-KR" dirty="0"/>
-              <a:t>&lt;head&gt;</a:t>
-            </a:r>
-          </a:p>
-          <a:p>
-            <a:pPr marL="0" indent="0">
-              <a:buNone/>
-            </a:pPr>
-            <a:r>
-              <a:rPr lang="en" altLang="ko-KR" dirty="0"/>
-              <a:t>&lt;meta charset=</a:t>
-            </a:r>
-            <a:r>
-              <a:rPr lang="en" altLang="ko-KR" i="1" dirty="0"/>
-              <a:t>"UTF-8"</a:t>
-            </a:r>
-            <a:r>
-              <a:rPr lang="en" altLang="ko-KR" dirty="0"/>
-              <a:t>&gt;</a:t>
-            </a:r>
-          </a:p>
-          <a:p>
-            <a:pPr marL="0" indent="0">
-              <a:buNone/>
-            </a:pPr>
-            <a:r>
-              <a:rPr lang="en" altLang="ko-KR" dirty="0"/>
-              <a:t>&lt;title&gt;Insert title here&lt;/title&gt;</a:t>
-            </a:r>
-          </a:p>
-          <a:p>
-            <a:pPr marL="0" indent="0">
-              <a:buNone/>
-            </a:pPr>
-            <a:r>
-              <a:rPr lang="en" altLang="ko-KR" dirty="0"/>
-              <a:t>&lt;/head&gt;</a:t>
-            </a:r>
-          </a:p>
-          <a:p>
-            <a:pPr marL="0" indent="0">
-              <a:buNone/>
-            </a:pPr>
+            <a:r>
+              <a:rPr kumimoji="1" lang="ko-KR" altLang="en-US" dirty="0"/>
+              <a:t> </a:t>
+            </a:r>
+            <a:endParaRPr kumimoji="1" lang="en-US" altLang="ko-KR" dirty="0"/>
+          </a:p>
+          <a:p>
+            <a:pPr marL="0" indent="0">
+              <a:buNone/>
+            </a:pPr>
+            <a:r>
+              <a:rPr kumimoji="1" lang="ko-KR" altLang="en-US" dirty="0"/>
+              <a:t>패키지는 </a:t>
+            </a:r>
+            <a:r>
+              <a:rPr lang="en" altLang="ko-KR" dirty="0" err="1"/>
+              <a:t>controller.board</a:t>
+            </a:r>
             <a:r>
               <a:rPr lang="ko-KR" altLang="en-US" dirty="0"/>
-              <a:t>  </a:t>
-            </a:r>
-            <a:r>
-              <a:rPr lang="en" altLang="ko-KR" dirty="0"/>
-              <a:t>&lt;body&gt;</a:t>
-            </a:r>
-          </a:p>
-          <a:p>
-            <a:pPr marL="0" indent="0">
-              <a:buNone/>
-            </a:pPr>
+              <a:t>로 하도록 하겠다</a:t>
+            </a:r>
+            <a:r>
+              <a:rPr lang="en-US" altLang="ko-KR" dirty="0"/>
+              <a:t>.</a:t>
+            </a:r>
+          </a:p>
+          <a:p>
+            <a:pPr marL="0" indent="0">
+              <a:buNone/>
+            </a:pPr>
+            <a:r>
+              <a:rPr lang="en" altLang="ko-KR" b="1" dirty="0"/>
+              <a:t>package</a:t>
+            </a:r>
+            <a:r>
+              <a:rPr lang="en" altLang="ko-KR" dirty="0"/>
+              <a:t> </a:t>
+            </a:r>
+            <a:r>
+              <a:rPr lang="en" altLang="ko-KR" dirty="0" err="1"/>
+              <a:t>controller.board</a:t>
+            </a:r>
+            <a:r>
+              <a:rPr lang="en" altLang="ko-KR" dirty="0"/>
+              <a:t>;</a:t>
+            </a:r>
+          </a:p>
+          <a:p>
+            <a:pPr marL="0" indent="0">
+              <a:buNone/>
+            </a:pPr>
+            <a:r>
+              <a:rPr lang="en" altLang="ko-KR" b="1" dirty="0"/>
+              <a:t>public</a:t>
+            </a:r>
+            <a:r>
+              <a:rPr lang="en" altLang="ko-KR" dirty="0"/>
+              <a:t> </a:t>
+            </a:r>
+            <a:r>
+              <a:rPr lang="en" altLang="ko-KR" b="1" dirty="0"/>
+              <a:t>class</a:t>
+            </a:r>
+            <a:r>
+              <a:rPr lang="en" altLang="ko-KR" dirty="0"/>
+              <a:t> </a:t>
+            </a:r>
+            <a:r>
+              <a:rPr lang="en" altLang="ko-KR" dirty="0" err="1"/>
+              <a:t>BoardFrontController</a:t>
+            </a:r>
+            <a:r>
+              <a:rPr lang="en" altLang="ko-KR" dirty="0"/>
+              <a:t> </a:t>
+            </a:r>
             <a:r>
               <a:rPr lang="ko-KR" altLang="en-US" dirty="0"/>
-              <a:t>   </a:t>
-            </a:r>
-            <a:r>
-              <a:rPr lang="ko-KR" altLang="en-US" dirty="0" err="1">
-                <a:solidFill>
-                  <a:srgbClr val="FF0000"/>
-                </a:solidFill>
-              </a:rPr>
-              <a:t>게시글</a:t>
-            </a:r>
-            <a:r>
-              <a:rPr lang="ko-KR" altLang="en-US" dirty="0">
-                <a:solidFill>
-                  <a:srgbClr val="FF0000"/>
-                </a:solidFill>
-              </a:rPr>
-              <a:t> 목록</a:t>
-            </a:r>
-            <a:r>
-              <a:rPr lang="en-US" altLang="ko-KR" dirty="0">
-                <a:solidFill>
-                  <a:srgbClr val="FF0000"/>
-                </a:solidFill>
-              </a:rPr>
-              <a:t>&lt;</a:t>
-            </a:r>
-            <a:r>
-              <a:rPr lang="en" altLang="ko-KR" dirty="0" err="1">
-                <a:solidFill>
-                  <a:srgbClr val="FF0000"/>
-                </a:solidFill>
-              </a:rPr>
-              <a:t>br</a:t>
-            </a:r>
-            <a:r>
-              <a:rPr lang="en" altLang="ko-KR" dirty="0">
-                <a:solidFill>
-                  <a:srgbClr val="FF0000"/>
-                </a:solidFill>
-              </a:rPr>
-              <a:t> /&gt;</a:t>
-            </a:r>
-          </a:p>
-          <a:p>
-            <a:pPr marL="0" indent="0">
-              <a:buNone/>
-            </a:pPr>
-            <a:r>
-              <a:rPr lang="en" altLang="ko-KR" dirty="0"/>
-              <a:t>  &lt;/body&gt;</a:t>
-            </a:r>
-          </a:p>
-          <a:p>
-            <a:pPr marL="0" indent="0">
-              <a:buNone/>
-            </a:pPr>
-            <a:r>
-              <a:rPr lang="en" altLang="ko-KR" dirty="0"/>
-              <a:t>&lt;/html&gt;</a:t>
-            </a:r>
-          </a:p>
-          <a:p>
-            <a:pPr marL="0" indent="0">
-              <a:buNone/>
-            </a:pPr>
+              <a:t> </a:t>
+            </a:r>
+            <a:r>
+              <a:rPr lang="en" altLang="ko-KR" dirty="0"/>
+              <a:t>{</a:t>
+            </a:r>
+          </a:p>
+          <a:p>
+            <a:pPr marL="0" indent="0">
+              <a:buNone/>
+            </a:pPr>
+            <a:r>
+              <a:rPr kumimoji="1" lang="en-US" altLang="ko-KR" dirty="0"/>
+              <a:t>	</a:t>
+            </a:r>
+          </a:p>
+          <a:p>
+            <a:pPr marL="0" indent="0">
+              <a:buNone/>
+            </a:pPr>
+            <a:r>
+              <a:rPr kumimoji="1" lang="en-US" altLang="ko-KR" dirty="0"/>
+              <a:t>} </a:t>
+            </a:r>
             <a:endParaRPr kumimoji="1" lang="ko-KR" altLang="en-US" dirty="0"/>
           </a:p>
         </p:txBody>
@@ -5225,7 +5098,7 @@
     </p:spTree>
     <p:extLst>
       <p:ext uri="{BB962C8B-B14F-4D97-AF65-F5344CB8AC3E}">
-        <p14:creationId xmlns:p14="http://schemas.microsoft.com/office/powerpoint/2010/main" val="3732501464"/>
+        <p14:creationId xmlns:p14="http://schemas.microsoft.com/office/powerpoint/2010/main" val="1541372686"/>
       </p:ext>
     </p:extLst>
   </p:cSld>
@@ -5342,336 +5215,6 @@
           <a:chExt cx="0" cy="0"/>
         </a:xfrm>
       </p:grpSpPr>
-      <p:pic>
-        <p:nvPicPr>
-          <p:cNvPr id="5" name="그림 4">
-            <a:extLst>
-              <a:ext uri="{FF2B5EF4-FFF2-40B4-BE49-F238E27FC236}">
-                <a16:creationId xmlns:a16="http://schemas.microsoft.com/office/drawing/2014/main" id="{D3AADDE0-209D-DD50-3060-39A095F4DD55}"/>
-              </a:ext>
-            </a:extLst>
-          </p:cNvPr>
-          <p:cNvPicPr>
-            <a:picLocks noChangeAspect="1"/>
-          </p:cNvPicPr>
-          <p:nvPr/>
-        </p:nvPicPr>
-        <p:blipFill>
-          <a:blip r:embed="rId2"/>
-          <a:stretch>
-            <a:fillRect/>
-          </a:stretch>
-        </p:blipFill>
-        <p:spPr>
-          <a:xfrm>
-            <a:off x="2933700" y="495300"/>
-            <a:ext cx="6324600" cy="5867400"/>
-          </a:xfrm>
-          <a:prstGeom prst="rect">
-            <a:avLst/>
-          </a:prstGeom>
-        </p:spPr>
-      </p:pic>
-    </p:spTree>
-    <p:extLst>
-      <p:ext uri="{BB962C8B-B14F-4D97-AF65-F5344CB8AC3E}">
-        <p14:creationId xmlns:p14="http://schemas.microsoft.com/office/powerpoint/2010/main" val="2583501649"/>
-      </p:ext>
-    </p:extLst>
-  </p:cSld>
-  <p:clrMapOvr>
-    <a:masterClrMapping/>
-  </p:clrMapOvr>
-</p:sld>
-</file>
-
-<file path=ppt/slides/slide21.xml><?xml version="1.0" encoding="utf-8"?>
-<p:sld xmlns:a="http://schemas.openxmlformats.org/drawingml/2006/main" xmlns:r="http://schemas.openxmlformats.org/officeDocument/2006/relationships" xmlns:p="http://schemas.openxmlformats.org/presentationml/2006/main">
-  <p:cSld>
-    <p:spTree>
-      <p:nvGrpSpPr>
-        <p:cNvPr id="1" name=""/>
-        <p:cNvGrpSpPr/>
-        <p:nvPr/>
-      </p:nvGrpSpPr>
-      <p:grpSpPr>
-        <a:xfrm>
-          <a:off x="0" y="0"/>
-          <a:ext cx="0" cy="0"/>
-          <a:chOff x="0" y="0"/>
-          <a:chExt cx="0" cy="0"/>
-        </a:xfrm>
-      </p:grpSpPr>
-      <p:pic>
-        <p:nvPicPr>
-          <p:cNvPr id="5" name="그림 4">
-            <a:extLst>
-              <a:ext uri="{FF2B5EF4-FFF2-40B4-BE49-F238E27FC236}">
-                <a16:creationId xmlns:a16="http://schemas.microsoft.com/office/drawing/2014/main" id="{76764325-5C15-583B-CF11-DE19F06C3998}"/>
-              </a:ext>
-            </a:extLst>
-          </p:cNvPr>
-          <p:cNvPicPr>
-            <a:picLocks noChangeAspect="1"/>
-          </p:cNvPicPr>
-          <p:nvPr/>
-        </p:nvPicPr>
-        <p:blipFill>
-          <a:blip r:embed="rId2"/>
-          <a:stretch>
-            <a:fillRect/>
-          </a:stretch>
-        </p:blipFill>
-        <p:spPr>
-          <a:xfrm>
-            <a:off x="3429000" y="328612"/>
-            <a:ext cx="5334000" cy="6200775"/>
-          </a:xfrm>
-          <a:prstGeom prst="rect">
-            <a:avLst/>
-          </a:prstGeom>
-        </p:spPr>
-      </p:pic>
-    </p:spTree>
-    <p:extLst>
-      <p:ext uri="{BB962C8B-B14F-4D97-AF65-F5344CB8AC3E}">
-        <p14:creationId xmlns:p14="http://schemas.microsoft.com/office/powerpoint/2010/main" val="1158396440"/>
-      </p:ext>
-    </p:extLst>
-  </p:cSld>
-  <p:clrMapOvr>
-    <a:masterClrMapping/>
-  </p:clrMapOvr>
-</p:sld>
-</file>
-
-<file path=ppt/slides/slide22.xml><?xml version="1.0" encoding="utf-8"?>
-<p:sld xmlns:a="http://schemas.openxmlformats.org/drawingml/2006/main" xmlns:r="http://schemas.openxmlformats.org/officeDocument/2006/relationships" xmlns:p="http://schemas.openxmlformats.org/presentationml/2006/main">
-  <p:cSld>
-    <p:spTree>
-      <p:nvGrpSpPr>
-        <p:cNvPr id="1" name=""/>
-        <p:cNvGrpSpPr/>
-        <p:nvPr/>
-      </p:nvGrpSpPr>
-      <p:grpSpPr>
-        <a:xfrm>
-          <a:off x="0" y="0"/>
-          <a:ext cx="0" cy="0"/>
-          <a:chOff x="0" y="0"/>
-          <a:chExt cx="0" cy="0"/>
-        </a:xfrm>
-      </p:grpSpPr>
-      <p:sp>
-        <p:nvSpPr>
-          <p:cNvPr id="3" name="내용 개체 틀 2">
-            <a:extLst>
-              <a:ext uri="{FF2B5EF4-FFF2-40B4-BE49-F238E27FC236}">
-                <a16:creationId xmlns:a16="http://schemas.microsoft.com/office/drawing/2014/main" id="{87CAD5DD-DEAB-CF49-90A3-8EE469CCCD32}"/>
-              </a:ext>
-            </a:extLst>
-          </p:cNvPr>
-          <p:cNvSpPr>
-            <a:spLocks noGrp="1"/>
-          </p:cNvSpPr>
-          <p:nvPr>
-            <p:ph idx="1"/>
-          </p:nvPr>
-        </p:nvSpPr>
-        <p:spPr>
-          <a:xfrm>
-            <a:off x="838200" y="359595"/>
-            <a:ext cx="10515600" cy="5817367"/>
-          </a:xfrm>
-        </p:spPr>
-        <p:txBody>
-          <a:bodyPr/>
-          <a:lstStyle/>
-          <a:p>
-            <a:pPr marL="0" indent="0">
-              <a:buNone/>
-            </a:pPr>
-            <a:r>
-              <a:rPr kumimoji="1" lang="ko-KR" altLang="en-US" dirty="0"/>
-              <a:t>리스트 페이지가 열리도록하기 위해 </a:t>
-            </a:r>
-            <a:r>
-              <a:rPr kumimoji="1" lang="en-US" altLang="ko-KR" dirty="0" err="1"/>
-              <a:t>FrontController</a:t>
-            </a:r>
-            <a:r>
-              <a:rPr kumimoji="1" lang="ko-KR" altLang="en-US" dirty="0" err="1"/>
-              <a:t>를</a:t>
-            </a:r>
-            <a:r>
-              <a:rPr kumimoji="1" lang="ko-KR" altLang="en-US" dirty="0"/>
-              <a:t> 만들어주어야 한다</a:t>
-            </a:r>
-            <a:r>
-              <a:rPr kumimoji="1" lang="en-US" altLang="ko-KR" dirty="0"/>
-              <a:t>.</a:t>
-            </a:r>
-          </a:p>
-          <a:p>
-            <a:pPr marL="0" indent="0">
-              <a:buNone/>
-            </a:pPr>
-            <a:r>
-              <a:rPr kumimoji="1" lang="en-US" altLang="ko-KR" dirty="0"/>
-              <a:t>java resource</a:t>
-            </a:r>
-            <a:r>
-              <a:rPr kumimoji="1" lang="ko-KR" altLang="en-US" dirty="0"/>
-              <a:t>에서 </a:t>
-            </a:r>
-            <a:r>
-              <a:rPr kumimoji="1" lang="en-US" altLang="ko-KR" dirty="0" err="1"/>
-              <a:t>BoardFrontController</a:t>
-            </a:r>
-            <a:r>
-              <a:rPr kumimoji="1" lang="ko-KR" altLang="en-US" dirty="0"/>
-              <a:t>클래스 파일을 만들어준다</a:t>
-            </a:r>
-            <a:r>
-              <a:rPr kumimoji="1" lang="en-US" altLang="ko-KR" dirty="0"/>
-              <a:t>.</a:t>
-            </a:r>
-            <a:r>
-              <a:rPr kumimoji="1" lang="ko-KR" altLang="en-US" dirty="0"/>
-              <a:t> </a:t>
-            </a:r>
-            <a:endParaRPr kumimoji="1" lang="en-US" altLang="ko-KR" dirty="0"/>
-          </a:p>
-          <a:p>
-            <a:pPr marL="0" indent="0">
-              <a:buNone/>
-            </a:pPr>
-            <a:r>
-              <a:rPr kumimoji="1" lang="ko-KR" altLang="en-US" dirty="0"/>
-              <a:t>패키지는 </a:t>
-            </a:r>
-            <a:r>
-              <a:rPr lang="en" altLang="ko-KR" dirty="0" err="1"/>
-              <a:t>controller.board</a:t>
-            </a:r>
-            <a:r>
-              <a:rPr lang="ko-KR" altLang="en-US" dirty="0"/>
-              <a:t>로 하도록 하겠다</a:t>
-            </a:r>
-            <a:r>
-              <a:rPr lang="en-US" altLang="ko-KR" dirty="0"/>
-              <a:t>.</a:t>
-            </a:r>
-          </a:p>
-          <a:p>
-            <a:pPr marL="0" indent="0">
-              <a:buNone/>
-            </a:pPr>
-            <a:r>
-              <a:rPr lang="en" altLang="ko-KR" b="1" dirty="0"/>
-              <a:t>package</a:t>
-            </a:r>
-            <a:r>
-              <a:rPr lang="en" altLang="ko-KR" dirty="0"/>
-              <a:t> </a:t>
-            </a:r>
-            <a:r>
-              <a:rPr lang="en" altLang="ko-KR" dirty="0" err="1"/>
-              <a:t>controller.board</a:t>
-            </a:r>
-            <a:r>
-              <a:rPr lang="en" altLang="ko-KR" dirty="0"/>
-              <a:t>;</a:t>
-            </a:r>
-          </a:p>
-          <a:p>
-            <a:pPr marL="0" indent="0">
-              <a:buNone/>
-            </a:pPr>
-            <a:r>
-              <a:rPr lang="en" altLang="ko-KR" b="1" dirty="0"/>
-              <a:t>public</a:t>
-            </a:r>
-            <a:r>
-              <a:rPr lang="en" altLang="ko-KR" dirty="0"/>
-              <a:t> </a:t>
-            </a:r>
-            <a:r>
-              <a:rPr lang="en" altLang="ko-KR" b="1" dirty="0"/>
-              <a:t>class</a:t>
-            </a:r>
-            <a:r>
-              <a:rPr lang="en" altLang="ko-KR" dirty="0"/>
-              <a:t> </a:t>
-            </a:r>
-            <a:r>
-              <a:rPr lang="en" altLang="ko-KR" dirty="0" err="1"/>
-              <a:t>BoardFrontController</a:t>
-            </a:r>
-            <a:r>
-              <a:rPr lang="en" altLang="ko-KR" dirty="0"/>
-              <a:t> </a:t>
-            </a:r>
-            <a:r>
-              <a:rPr lang="ko-KR" altLang="en-US" dirty="0"/>
-              <a:t> </a:t>
-            </a:r>
-            <a:r>
-              <a:rPr lang="en" altLang="ko-KR" dirty="0"/>
-              <a:t>{</a:t>
-            </a:r>
-          </a:p>
-          <a:p>
-            <a:pPr marL="0" indent="0">
-              <a:buNone/>
-            </a:pPr>
-            <a:r>
-              <a:rPr kumimoji="1" lang="en-US" altLang="ko-KR" dirty="0"/>
-              <a:t>	</a:t>
-            </a:r>
-          </a:p>
-          <a:p>
-            <a:pPr marL="0" indent="0">
-              <a:buNone/>
-            </a:pPr>
-            <a:r>
-              <a:rPr kumimoji="1" lang="en-US" altLang="ko-KR" dirty="0"/>
-              <a:t>} </a:t>
-            </a:r>
-            <a:endParaRPr kumimoji="1" lang="ko-KR" altLang="en-US" dirty="0"/>
-          </a:p>
-        </p:txBody>
-      </p:sp>
-    </p:spTree>
-    <p:extLst>
-      <p:ext uri="{BB962C8B-B14F-4D97-AF65-F5344CB8AC3E}">
-        <p14:creationId xmlns:p14="http://schemas.microsoft.com/office/powerpoint/2010/main" val="1541372686"/>
-      </p:ext>
-    </p:extLst>
-  </p:cSld>
-  <p:clrMapOvr>
-    <a:masterClrMapping/>
-  </p:clrMapOvr>
-</p:sld>
-</file>
-
-<file path=ppt/slides/slide23.xml><?xml version="1.0" encoding="utf-8"?>
-<p:sld xmlns:a="http://schemas.openxmlformats.org/drawingml/2006/main" xmlns:r="http://schemas.openxmlformats.org/officeDocument/2006/relationships" xmlns:p="http://schemas.openxmlformats.org/presentationml/2006/main">
-  <p:cSld>
-    <p:spTree>
-      <p:nvGrpSpPr>
-        <p:cNvPr id="1" name=""/>
-        <p:cNvGrpSpPr/>
-        <p:nvPr/>
-      </p:nvGrpSpPr>
-      <p:grpSpPr>
-        <a:xfrm>
-          <a:off x="0" y="0"/>
-          <a:ext cx="0" cy="0"/>
-          <a:chOff x="0" y="0"/>
-          <a:chExt cx="0" cy="0"/>
-        </a:xfrm>
-      </p:grpSpPr>
       <p:sp>
         <p:nvSpPr>
           <p:cNvPr id="3" name="내용 개체 틀 2">
@@ -6182,7 +5725,7 @@
 </p:sld>
 </file>
 
-<file path=ppt/slides/slide24.xml><?xml version="1.0" encoding="utf-8"?>
+<file path=ppt/slides/slide21.xml><?xml version="1.0" encoding="utf-8"?>
 <p:sld xmlns:a="http://schemas.openxmlformats.org/drawingml/2006/main" xmlns:r="http://schemas.openxmlformats.org/officeDocument/2006/relationships" xmlns:p="http://schemas.openxmlformats.org/presentationml/2006/main">
   <p:cSld>
     <p:spTree>
@@ -6637,7 +6180,7 @@
 </p:sld>
 </file>
 
-<file path=ppt/slides/slide25.xml><?xml version="1.0" encoding="utf-8"?>
+<file path=ppt/slides/slide22.xml><?xml version="1.0" encoding="utf-8"?>
 <p:sld xmlns:a="http://schemas.openxmlformats.org/drawingml/2006/main" xmlns:r="http://schemas.openxmlformats.org/officeDocument/2006/relationships" xmlns:p="http://schemas.openxmlformats.org/presentationml/2006/main">
   <p:cSld>
     <p:spTree>
@@ -7018,6 +6561,449 @@
     <p:extLst>
       <p:ext uri="{BB962C8B-B14F-4D97-AF65-F5344CB8AC3E}">
         <p14:creationId xmlns:p14="http://schemas.microsoft.com/office/powerpoint/2010/main" val="2383796360"/>
+      </p:ext>
+    </p:extLst>
+  </p:cSld>
+  <p:clrMapOvr>
+    <a:masterClrMapping/>
+  </p:clrMapOvr>
+</p:sld>
+</file>
+
+<file path=ppt/slides/slide23.xml><?xml version="1.0" encoding="utf-8"?>
+<p:sld xmlns:a="http://schemas.openxmlformats.org/drawingml/2006/main" xmlns:r="http://schemas.openxmlformats.org/officeDocument/2006/relationships" xmlns:p="http://schemas.openxmlformats.org/presentationml/2006/main">
+  <p:cSld>
+    <p:spTree>
+      <p:nvGrpSpPr>
+        <p:cNvPr id="1" name=""/>
+        <p:cNvGrpSpPr/>
+        <p:nvPr/>
+      </p:nvGrpSpPr>
+      <p:grpSpPr>
+        <a:xfrm>
+          <a:off x="0" y="0"/>
+          <a:ext cx="0" cy="0"/>
+          <a:chOff x="0" y="0"/>
+          <a:chExt cx="0" cy="0"/>
+        </a:xfrm>
+      </p:grpSpPr>
+      <p:pic>
+        <p:nvPicPr>
+          <p:cNvPr id="5" name="그림 4">
+            <a:extLst>
+              <a:ext uri="{FF2B5EF4-FFF2-40B4-BE49-F238E27FC236}">
+                <a16:creationId xmlns:a16="http://schemas.microsoft.com/office/drawing/2014/main" id="{303A0CB5-7B6E-0A28-0C90-CDE24F3C220F}"/>
+              </a:ext>
+            </a:extLst>
+          </p:cNvPr>
+          <p:cNvPicPr>
+            <a:picLocks noChangeAspect="1"/>
+          </p:cNvPicPr>
+          <p:nvPr/>
+        </p:nvPicPr>
+        <p:blipFill>
+          <a:blip r:embed="rId2"/>
+          <a:stretch>
+            <a:fillRect/>
+          </a:stretch>
+        </p:blipFill>
+        <p:spPr>
+          <a:xfrm>
+            <a:off x="196091" y="437528"/>
+            <a:ext cx="6515823" cy="5883760"/>
+          </a:xfrm>
+          <a:prstGeom prst="rect">
+            <a:avLst/>
+          </a:prstGeom>
+        </p:spPr>
+      </p:pic>
+      <p:pic>
+        <p:nvPicPr>
+          <p:cNvPr id="2" name="그림 1">
+            <a:extLst>
+              <a:ext uri="{FF2B5EF4-FFF2-40B4-BE49-F238E27FC236}">
+                <a16:creationId xmlns:a16="http://schemas.microsoft.com/office/drawing/2014/main" id="{9A4ABF3A-FDF9-1425-4433-604E2ECFA2FC}"/>
+              </a:ext>
+            </a:extLst>
+          </p:cNvPr>
+          <p:cNvPicPr>
+            <a:picLocks noChangeAspect="1"/>
+          </p:cNvPicPr>
+          <p:nvPr/>
+        </p:nvPicPr>
+        <p:blipFill>
+          <a:blip r:embed="rId3"/>
+          <a:stretch>
+            <a:fillRect/>
+          </a:stretch>
+        </p:blipFill>
+        <p:spPr>
+          <a:xfrm>
+            <a:off x="7301948" y="677843"/>
+            <a:ext cx="4693961" cy="5502314"/>
+          </a:xfrm>
+          <a:prstGeom prst="rect">
+            <a:avLst/>
+          </a:prstGeom>
+        </p:spPr>
+      </p:pic>
+    </p:spTree>
+    <p:extLst>
+      <p:ext uri="{BB962C8B-B14F-4D97-AF65-F5344CB8AC3E}">
+        <p14:creationId xmlns:p14="http://schemas.microsoft.com/office/powerpoint/2010/main" val="1363987638"/>
+      </p:ext>
+    </p:extLst>
+  </p:cSld>
+  <p:clrMapOvr>
+    <a:masterClrMapping/>
+  </p:clrMapOvr>
+</p:sld>
+</file>
+
+<file path=ppt/slides/slide24.xml><?xml version="1.0" encoding="utf-8"?>
+<p:sld xmlns:a="http://schemas.openxmlformats.org/drawingml/2006/main" xmlns:r="http://schemas.openxmlformats.org/officeDocument/2006/relationships" xmlns:p="http://schemas.openxmlformats.org/presentationml/2006/main">
+  <p:cSld>
+    <p:spTree>
+      <p:nvGrpSpPr>
+        <p:cNvPr id="1" name=""/>
+        <p:cNvGrpSpPr/>
+        <p:nvPr/>
+      </p:nvGrpSpPr>
+      <p:grpSpPr>
+        <a:xfrm>
+          <a:off x="0" y="0"/>
+          <a:ext cx="0" cy="0"/>
+          <a:chOff x="0" y="0"/>
+          <a:chExt cx="0" cy="0"/>
+        </a:xfrm>
+      </p:grpSpPr>
+      <p:pic>
+        <p:nvPicPr>
+          <p:cNvPr id="5" name="그림 4">
+            <a:extLst>
+              <a:ext uri="{FF2B5EF4-FFF2-40B4-BE49-F238E27FC236}">
+                <a16:creationId xmlns:a16="http://schemas.microsoft.com/office/drawing/2014/main" id="{DD26746E-965F-E0C2-8D26-C8EECEDE9E63}"/>
+              </a:ext>
+            </a:extLst>
+          </p:cNvPr>
+          <p:cNvPicPr>
+            <a:picLocks noChangeAspect="1"/>
+          </p:cNvPicPr>
+          <p:nvPr/>
+        </p:nvPicPr>
+        <p:blipFill>
+          <a:blip r:embed="rId2"/>
+          <a:stretch>
+            <a:fillRect/>
+          </a:stretch>
+        </p:blipFill>
+        <p:spPr>
+          <a:xfrm>
+            <a:off x="161511" y="361743"/>
+            <a:ext cx="6515100" cy="5895975"/>
+          </a:xfrm>
+          <a:prstGeom prst="rect">
+            <a:avLst/>
+          </a:prstGeom>
+        </p:spPr>
+      </p:pic>
+      <p:pic>
+        <p:nvPicPr>
+          <p:cNvPr id="7" name="그림 6">
+            <a:extLst>
+              <a:ext uri="{FF2B5EF4-FFF2-40B4-BE49-F238E27FC236}">
+                <a16:creationId xmlns:a16="http://schemas.microsoft.com/office/drawing/2014/main" id="{582782DF-F764-5D03-787F-B0441848BEBA}"/>
+              </a:ext>
+            </a:extLst>
+          </p:cNvPr>
+          <p:cNvPicPr>
+            <a:picLocks noChangeAspect="1"/>
+          </p:cNvPicPr>
+          <p:nvPr/>
+        </p:nvPicPr>
+        <p:blipFill>
+          <a:blip r:embed="rId3"/>
+          <a:stretch>
+            <a:fillRect/>
+          </a:stretch>
+        </p:blipFill>
+        <p:spPr>
+          <a:xfrm>
+            <a:off x="7120973" y="819150"/>
+            <a:ext cx="4867275" cy="5219700"/>
+          </a:xfrm>
+          <a:prstGeom prst="rect">
+            <a:avLst/>
+          </a:prstGeom>
+        </p:spPr>
+      </p:pic>
+    </p:spTree>
+    <p:extLst>
+      <p:ext uri="{BB962C8B-B14F-4D97-AF65-F5344CB8AC3E}">
+        <p14:creationId xmlns:p14="http://schemas.microsoft.com/office/powerpoint/2010/main" val="2754266503"/>
+      </p:ext>
+    </p:extLst>
+  </p:cSld>
+  <p:clrMapOvr>
+    <a:masterClrMapping/>
+  </p:clrMapOvr>
+</p:sld>
+</file>
+
+<file path=ppt/slides/slide25.xml><?xml version="1.0" encoding="utf-8"?>
+<p:sld xmlns:a="http://schemas.openxmlformats.org/drawingml/2006/main" xmlns:r="http://schemas.openxmlformats.org/officeDocument/2006/relationships" xmlns:p="http://schemas.openxmlformats.org/presentationml/2006/main">
+  <p:cSld>
+    <p:spTree>
+      <p:nvGrpSpPr>
+        <p:cNvPr id="1" name=""/>
+        <p:cNvGrpSpPr/>
+        <p:nvPr/>
+      </p:nvGrpSpPr>
+      <p:grpSpPr>
+        <a:xfrm>
+          <a:off x="0" y="0"/>
+          <a:ext cx="0" cy="0"/>
+          <a:chOff x="0" y="0"/>
+          <a:chExt cx="0" cy="0"/>
+        </a:xfrm>
+      </p:grpSpPr>
+      <p:sp>
+        <p:nvSpPr>
+          <p:cNvPr id="3" name="내용 개체 틀 2">
+            <a:extLst>
+              <a:ext uri="{FF2B5EF4-FFF2-40B4-BE49-F238E27FC236}">
+                <a16:creationId xmlns:a16="http://schemas.microsoft.com/office/drawing/2014/main" id="{67E37C4C-ED30-E244-8908-A83ED07FC0B0}"/>
+              </a:ext>
+            </a:extLst>
+          </p:cNvPr>
+          <p:cNvSpPr>
+            <a:spLocks noGrp="1"/>
+          </p:cNvSpPr>
+          <p:nvPr>
+            <p:ph idx="1"/>
+          </p:nvPr>
+        </p:nvSpPr>
+        <p:spPr>
+          <a:xfrm>
+            <a:off x="838200" y="400692"/>
+            <a:ext cx="10515600" cy="5776271"/>
+          </a:xfrm>
+        </p:spPr>
+        <p:txBody>
+          <a:bodyPr>
+            <a:normAutofit fontScale="92500" lnSpcReduction="20000"/>
+          </a:bodyPr>
+          <a:lstStyle/>
+          <a:p>
+            <a:pPr marL="0" indent="0">
+              <a:buNone/>
+            </a:pPr>
+            <a:endParaRPr kumimoji="1" lang="en-US" altLang="ko-KR" dirty="0"/>
+          </a:p>
+          <a:p>
+            <a:pPr marL="0" indent="0">
+              <a:buNone/>
+            </a:pPr>
+            <a:r>
+              <a:rPr kumimoji="1" lang="ko-KR" altLang="en-US" dirty="0"/>
+              <a:t>먼저 </a:t>
+            </a:r>
+            <a:r>
+              <a:rPr kumimoji="1" lang="ko-KR" altLang="en-US" dirty="0" err="1"/>
+              <a:t>게시글</a:t>
+            </a:r>
+            <a:r>
+              <a:rPr kumimoji="1" lang="ko-KR" altLang="en-US" dirty="0"/>
+              <a:t> 쓰기가 있어야 한다</a:t>
+            </a:r>
+            <a:r>
+              <a:rPr kumimoji="1" lang="en-US" altLang="ko-KR" dirty="0"/>
+              <a:t>.</a:t>
+            </a:r>
+          </a:p>
+          <a:p>
+            <a:pPr marL="0" indent="0">
+              <a:buNone/>
+            </a:pPr>
+            <a:r>
+              <a:rPr kumimoji="1" lang="ko-KR" altLang="en-US" dirty="0"/>
+              <a:t>게시판 리스트 페이지가 필요하므로  </a:t>
+            </a:r>
+            <a:r>
+              <a:rPr kumimoji="1" lang="en-US" altLang="ko-KR" dirty="0"/>
+              <a:t>board/</a:t>
+            </a:r>
+            <a:r>
+              <a:rPr kumimoji="1" lang="en-US" altLang="ko-KR" dirty="0" err="1"/>
+              <a:t>boardList.jsp</a:t>
+            </a:r>
+            <a:r>
+              <a:rPr kumimoji="1" lang="en-US" altLang="ko-KR" dirty="0"/>
+              <a:t> </a:t>
+            </a:r>
+            <a:r>
+              <a:rPr kumimoji="1" lang="ko-KR" altLang="en-US" dirty="0"/>
+              <a:t>파일을 생성시킨다</a:t>
+            </a:r>
+            <a:r>
+              <a:rPr kumimoji="1" lang="en-US" altLang="ko-KR" dirty="0"/>
+              <a:t>.</a:t>
+            </a:r>
+          </a:p>
+          <a:p>
+            <a:pPr marL="0" indent="0">
+              <a:buNone/>
+            </a:pPr>
+            <a:r>
+              <a:rPr lang="en" altLang="ko-KR" dirty="0"/>
+              <a:t>&lt;!DOCTYPE html&gt;</a:t>
+            </a:r>
+          </a:p>
+          <a:p>
+            <a:pPr marL="0" indent="0">
+              <a:buNone/>
+            </a:pPr>
+            <a:r>
+              <a:rPr lang="en" altLang="ko-KR" dirty="0"/>
+              <a:t>&lt;html&gt;</a:t>
+            </a:r>
+          </a:p>
+          <a:p>
+            <a:pPr marL="0" indent="0">
+              <a:buNone/>
+            </a:pPr>
+            <a:r>
+              <a:rPr lang="en" altLang="ko-KR" dirty="0"/>
+              <a:t>&lt;head&gt;</a:t>
+            </a:r>
+          </a:p>
+          <a:p>
+            <a:pPr marL="0" indent="0">
+              <a:buNone/>
+            </a:pPr>
+            <a:r>
+              <a:rPr lang="en" altLang="ko-KR" dirty="0"/>
+              <a:t>&lt;meta charset=</a:t>
+            </a:r>
+            <a:r>
+              <a:rPr lang="en" altLang="ko-KR" i="1" dirty="0"/>
+              <a:t>"UTF-8"</a:t>
+            </a:r>
+            <a:r>
+              <a:rPr lang="en" altLang="ko-KR" dirty="0"/>
+              <a:t>&gt;</a:t>
+            </a:r>
+          </a:p>
+          <a:p>
+            <a:pPr marL="0" indent="0">
+              <a:buNone/>
+            </a:pPr>
+            <a:r>
+              <a:rPr lang="en" altLang="ko-KR" dirty="0"/>
+              <a:t>&lt;title&gt;Insert title here&lt;/title&gt;</a:t>
+            </a:r>
+          </a:p>
+          <a:p>
+            <a:pPr marL="0" indent="0">
+              <a:buNone/>
+            </a:pPr>
+            <a:r>
+              <a:rPr lang="en" altLang="ko-KR" dirty="0"/>
+              <a:t>&lt;/head&gt;</a:t>
+            </a:r>
+          </a:p>
+          <a:p>
+            <a:pPr marL="0" indent="0">
+              <a:buNone/>
+            </a:pPr>
+            <a:r>
+              <a:rPr lang="ko-KR" altLang="en-US" dirty="0"/>
+              <a:t>  </a:t>
+            </a:r>
+            <a:r>
+              <a:rPr lang="en" altLang="ko-KR" dirty="0"/>
+              <a:t>&lt;body&gt;</a:t>
+            </a:r>
+          </a:p>
+          <a:p>
+            <a:pPr marL="0" indent="0">
+              <a:buNone/>
+            </a:pPr>
+            <a:r>
+              <a:rPr lang="ko-KR" altLang="en-US" dirty="0"/>
+              <a:t>   </a:t>
+            </a:r>
+            <a:r>
+              <a:rPr lang="ko-KR" altLang="en-US" dirty="0" err="1">
+                <a:solidFill>
+                  <a:srgbClr val="FF0000"/>
+                </a:solidFill>
+              </a:rPr>
+              <a:t>게시글</a:t>
+            </a:r>
+            <a:r>
+              <a:rPr lang="ko-KR" altLang="en-US" dirty="0">
+                <a:solidFill>
+                  <a:srgbClr val="FF0000"/>
+                </a:solidFill>
+              </a:rPr>
+              <a:t> 목록</a:t>
+            </a:r>
+            <a:r>
+              <a:rPr lang="en-US" altLang="ko-KR" dirty="0">
+                <a:solidFill>
+                  <a:srgbClr val="FF0000"/>
+                </a:solidFill>
+              </a:rPr>
+              <a:t>&lt;</a:t>
+            </a:r>
+            <a:r>
+              <a:rPr lang="en" altLang="ko-KR" dirty="0" err="1">
+                <a:solidFill>
+                  <a:srgbClr val="FF0000"/>
+                </a:solidFill>
+              </a:rPr>
+              <a:t>br</a:t>
+            </a:r>
+            <a:r>
+              <a:rPr lang="en" altLang="ko-KR" dirty="0">
+                <a:solidFill>
+                  <a:srgbClr val="FF0000"/>
+                </a:solidFill>
+              </a:rPr>
+              <a:t> /&gt;</a:t>
+            </a:r>
+          </a:p>
+          <a:p>
+            <a:pPr marL="0" indent="0">
+              <a:buNone/>
+            </a:pPr>
+            <a:r>
+              <a:rPr lang="en" altLang="ko-KR" dirty="0"/>
+              <a:t>  &lt;/body&gt;</a:t>
+            </a:r>
+          </a:p>
+          <a:p>
+            <a:pPr marL="0" indent="0">
+              <a:buNone/>
+            </a:pPr>
+            <a:r>
+              <a:rPr lang="en" altLang="ko-KR" dirty="0"/>
+              <a:t>&lt;/html&gt;</a:t>
+            </a:r>
+          </a:p>
+          <a:p>
+            <a:pPr marL="0" indent="0">
+              <a:buNone/>
+            </a:pPr>
+            <a:endParaRPr kumimoji="1" lang="ko-KR" altLang="en-US" dirty="0"/>
+          </a:p>
+        </p:txBody>
+      </p:sp>
+    </p:spTree>
+    <p:extLst>
+      <p:ext uri="{BB962C8B-B14F-4D97-AF65-F5344CB8AC3E}">
+        <p14:creationId xmlns:p14="http://schemas.microsoft.com/office/powerpoint/2010/main" val="4222237078"/>
       </p:ext>
     </p:extLst>
   </p:cSld>
@@ -7752,7 +7738,7 @@
           <p:cNvPr id="5" name="그림 4">
             <a:extLst>
               <a:ext uri="{FF2B5EF4-FFF2-40B4-BE49-F238E27FC236}">
-                <a16:creationId xmlns:a16="http://schemas.microsoft.com/office/drawing/2014/main" id="{DD26746E-965F-E0C2-8D26-C8EECEDE9E63}"/>
+                <a16:creationId xmlns:a16="http://schemas.microsoft.com/office/drawing/2014/main" id="{897C865E-529A-FE03-3004-A67094737ADA}"/>
               </a:ext>
             </a:extLst>
           </p:cNvPr>
@@ -7769,48 +7755,66 @@
         </p:blipFill>
         <p:spPr>
           <a:xfrm>
-            <a:off x="161511" y="361743"/>
-            <a:ext cx="6515100" cy="5895975"/>
+            <a:off x="0" y="1386901"/>
+            <a:ext cx="12192000" cy="5118187"/>
           </a:xfrm>
           <a:prstGeom prst="rect">
             <a:avLst/>
           </a:prstGeom>
         </p:spPr>
       </p:pic>
-      <p:pic>
-        <p:nvPicPr>
-          <p:cNvPr id="2" name="그림 1">
+      <p:sp>
+        <p:nvSpPr>
+          <p:cNvPr id="6" name="TextBox 5">
             <a:extLst>
               <a:ext uri="{FF2B5EF4-FFF2-40B4-BE49-F238E27FC236}">
-                <a16:creationId xmlns:a16="http://schemas.microsoft.com/office/drawing/2014/main" id="{FEF8C1FD-F1A7-38E2-0EEB-6829149D12EE}"/>
+                <a16:creationId xmlns:a16="http://schemas.microsoft.com/office/drawing/2014/main" id="{83F2F5A8-AA43-F699-0827-AB556D248EBD}"/>
               </a:ext>
             </a:extLst>
           </p:cNvPr>
-          <p:cNvPicPr>
-            <a:picLocks noChangeAspect="1"/>
-          </p:cNvPicPr>
+          <p:cNvSpPr txBox="1"/>
           <p:nvPr/>
-        </p:nvPicPr>
-        <p:blipFill>
-          <a:blip r:embed="rId3"/>
-          <a:stretch>
-            <a:fillRect/>
-          </a:stretch>
-        </p:blipFill>
+        </p:nvSpPr>
         <p:spPr>
           <a:xfrm>
-            <a:off x="7033177" y="718930"/>
-            <a:ext cx="4857750" cy="5181600"/>
+            <a:off x="0" y="383194"/>
+            <a:ext cx="5777287" cy="369332"/>
           </a:xfrm>
           <a:prstGeom prst="rect">
             <a:avLst/>
           </a:prstGeom>
+          <a:noFill/>
         </p:spPr>
-      </p:pic>
+        <p:txBody>
+          <a:bodyPr wrap="none" rtlCol="0">
+            <a:spAutoFit/>
+          </a:bodyPr>
+          <a:lstStyle/>
+          <a:p>
+            <a:r>
+              <a:rPr lang="ko-KR" altLang="en-US" dirty="0"/>
+              <a:t>다시 </a:t>
+            </a:r>
+            <a:r>
+              <a:rPr lang="en-US" altLang="ko-KR" dirty="0" err="1"/>
+              <a:t>BoardFrontController</a:t>
+            </a:r>
+            <a:r>
+              <a:rPr lang="ko-KR" altLang="en-US" dirty="0"/>
+              <a:t> 를 열어서 내용을 추가한다</a:t>
+            </a:r>
+            <a:r>
+              <a:rPr lang="en-US" altLang="ko-KR" dirty="0"/>
+              <a:t>.</a:t>
+            </a:r>
+            <a:endParaRPr lang="ko-KR" altLang="en-US" dirty="0"/>
+          </a:p>
+        </p:txBody>
+      </p:sp>
     </p:spTree>
     <p:extLst>
       <p:ext uri="{BB962C8B-B14F-4D97-AF65-F5344CB8AC3E}">
-        <p14:creationId xmlns:p14="http://schemas.microsoft.com/office/powerpoint/2010/main" val="3613073349"/>
+        <p14:creationId xmlns:p14="http://schemas.microsoft.com/office/powerpoint/2010/main" val="2492955417"/>
       </p:ext>
     </p:extLst>
   </p:cSld>
@@ -7932,7 +7936,7 @@
           <p:cNvPr id="3" name="내용 개체 틀 2">
             <a:extLst>
               <a:ext uri="{FF2B5EF4-FFF2-40B4-BE49-F238E27FC236}">
-                <a16:creationId xmlns:a16="http://schemas.microsoft.com/office/drawing/2014/main" id="{CA0EA590-849B-4945-8F56-730DA71C8923}"/>
+                <a16:creationId xmlns:a16="http://schemas.microsoft.com/office/drawing/2014/main" id="{EF4077C2-D5EF-5843-9C64-C7761C85C924}"/>
               </a:ext>
             </a:extLst>
           </p:cNvPr>
@@ -7945,13 +7949,13 @@
         </p:nvSpPr>
         <p:spPr>
           <a:xfrm>
-            <a:off x="838200" y="503434"/>
-            <a:ext cx="10515600" cy="5673529"/>
+            <a:off x="838200" y="441789"/>
+            <a:ext cx="10515600" cy="5735174"/>
           </a:xfrm>
         </p:spPr>
         <p:txBody>
           <a:bodyPr>
-            <a:normAutofit fontScale="55000" lnSpcReduction="20000"/>
+            <a:normAutofit fontScale="70000" lnSpcReduction="20000"/>
           </a:bodyPr>
           <a:lstStyle/>
           <a:p>
@@ -7959,35 +7963,27 @@
               <a:buNone/>
             </a:pPr>
             <a:r>
+              <a:rPr kumimoji="1" lang="en-US" altLang="ko-KR" dirty="0" err="1"/>
+              <a:t>FrontController</a:t>
+            </a:r>
+            <a:r>
               <a:rPr kumimoji="1" lang="ko-KR" altLang="en-US" dirty="0"/>
-              <a:t>먼저 </a:t>
+              <a:t>에서 </a:t>
             </a:r>
             <a:r>
               <a:rPr kumimoji="1" lang="en-US" altLang="ko-KR" dirty="0"/>
-              <a:t>“</a:t>
-            </a:r>
-            <a:r>
-              <a:rPr lang="en-US" altLang="ko-KR" dirty="0" err="1"/>
-              <a:t>boardWrite.naver</a:t>
-            </a:r>
-            <a:r>
-              <a:rPr lang="en-US" altLang="ko-KR" dirty="0"/>
-              <a:t>”</a:t>
-            </a:r>
-            <a:r>
-              <a:rPr lang="ko-KR" altLang="en-US" dirty="0"/>
-              <a:t>주소에서 열릴 </a:t>
-            </a:r>
-            <a:r>
-              <a:rPr lang="en-US" altLang="ko-KR" dirty="0" err="1"/>
+              <a:t> </a:t>
+            </a:r>
+            <a:r>
+              <a:rPr kumimoji="1" lang="en-US" altLang="ko-KR" dirty="0" err="1"/>
               <a:t>boardForm.jsp</a:t>
             </a:r>
             <a:r>
-              <a:rPr lang="ko-KR" altLang="en-US" dirty="0"/>
-              <a:t>파일을 만들어야 할 것이다</a:t>
-            </a:r>
-            <a:r>
-              <a:rPr lang="en-US" altLang="ko-KR" dirty="0"/>
+              <a:rPr kumimoji="1" lang="ko-KR" altLang="en-US" dirty="0"/>
+              <a:t>파일을 웹브라우저에 전송하는 코드를 작성해준다</a:t>
+            </a:r>
+            <a:r>
+              <a:rPr kumimoji="1" lang="en-US" altLang="ko-KR" dirty="0"/>
               <a:t>.</a:t>
             </a:r>
           </a:p>
@@ -7996,430 +7992,119 @@
               <a:buNone/>
             </a:pPr>
             <a:r>
-              <a:rPr lang="en-US" altLang="ko-KR" dirty="0" err="1"/>
-              <a:t>Webapps</a:t>
+              <a:rPr lang="en" altLang="ko-KR" b="1" dirty="0"/>
+              <a:t>public</a:t>
+            </a:r>
+            <a:r>
+              <a:rPr lang="en" altLang="ko-KR" dirty="0"/>
+              <a:t> </a:t>
+            </a:r>
+            <a:r>
+              <a:rPr lang="en" altLang="ko-KR" b="1" dirty="0"/>
+              <a:t>class</a:t>
+            </a:r>
+            <a:r>
+              <a:rPr lang="en" altLang="ko-KR" dirty="0"/>
+              <a:t> </a:t>
+            </a:r>
+            <a:r>
+              <a:rPr lang="en" altLang="ko-KR" u="sng" dirty="0" err="1"/>
+              <a:t>BoardFrontController</a:t>
+            </a:r>
+            <a:r>
+              <a:rPr lang="en" altLang="ko-KR" dirty="0"/>
+              <a:t> </a:t>
+            </a:r>
+            <a:r>
+              <a:rPr lang="en" altLang="ko-KR" b="1" dirty="0"/>
+              <a:t>extends</a:t>
+            </a:r>
+            <a:r>
+              <a:rPr lang="en" altLang="ko-KR" dirty="0"/>
+              <a:t> </a:t>
+            </a:r>
+            <a:r>
+              <a:rPr lang="en" altLang="ko-KR" dirty="0" err="1"/>
+              <a:t>HttpServlet</a:t>
+            </a:r>
+            <a:r>
+              <a:rPr lang="en" altLang="ko-KR" dirty="0"/>
+              <a:t>       </a:t>
+            </a:r>
+          </a:p>
+          <a:p>
+            <a:pPr marL="0" indent="0">
+              <a:buNone/>
+            </a:pPr>
+            <a:r>
+              <a:rPr lang="ko-KR" altLang="en-US" b="1" dirty="0"/>
+              <a:t>              </a:t>
+            </a:r>
+            <a:r>
+              <a:rPr lang="en" altLang="ko-KR" b="1" dirty="0"/>
+              <a:t>implements</a:t>
+            </a:r>
+            <a:r>
+              <a:rPr lang="en" altLang="ko-KR" dirty="0"/>
+              <a:t> </a:t>
+            </a:r>
+            <a:r>
+              <a:rPr lang="en" altLang="ko-KR" dirty="0" err="1"/>
+              <a:t>javax.servlet.Servlet</a:t>
+            </a:r>
+            <a:r>
+              <a:rPr lang="en" altLang="ko-KR" dirty="0"/>
+              <a:t>{</a:t>
+            </a:r>
+          </a:p>
+          <a:p>
+            <a:pPr marL="0" indent="0">
+              <a:buNone/>
+            </a:pPr>
+            <a:r>
+              <a:rPr lang="en" altLang="ko-KR" dirty="0"/>
+              <a:t>@Override</a:t>
+            </a:r>
+          </a:p>
+          <a:p>
+            <a:pPr marL="0" indent="0">
+              <a:buNone/>
+            </a:pPr>
+            <a:r>
+              <a:rPr lang="ko-KR" altLang="en-US" b="1" dirty="0"/>
+              <a:t>        </a:t>
+            </a:r>
+            <a:r>
+              <a:rPr lang="en" altLang="ko-KR" b="1" dirty="0"/>
+              <a:t>protected</a:t>
             </a:r>
             <a:r>
               <a:rPr lang="en-US" altLang="ko-KR" dirty="0"/>
               <a:t> </a:t>
             </a:r>
             <a:r>
-              <a:rPr lang="ko-KR" altLang="en-US" dirty="0"/>
-              <a:t>밑에</a:t>
-            </a:r>
-            <a:r>
-              <a:rPr lang="en-US" altLang="ko-KR" dirty="0" err="1"/>
-              <a:t>boardFrom.jsp</a:t>
-            </a:r>
-            <a:r>
-              <a:rPr lang="ko-KR" altLang="en-US" dirty="0" err="1"/>
-              <a:t>를</a:t>
-            </a:r>
-            <a:r>
-              <a:rPr lang="ko-KR" altLang="en-US" dirty="0"/>
-              <a:t> 만든다</a:t>
-            </a:r>
-            <a:r>
-              <a:rPr lang="en-US" altLang="ko-KR" dirty="0"/>
-              <a:t>.</a:t>
-            </a:r>
-          </a:p>
-          <a:p>
-            <a:pPr marL="0" indent="0">
-              <a:buNone/>
-            </a:pPr>
-            <a:r>
-              <a:rPr lang="en" altLang="ko-KR" dirty="0"/>
-              <a:t>&lt;form action=</a:t>
-            </a:r>
-            <a:r>
-              <a:rPr lang="en" altLang="ko-KR" i="1" dirty="0"/>
-              <a:t>“#"</a:t>
-            </a:r>
-            <a:r>
-              <a:rPr lang="en" altLang="ko-KR" dirty="0"/>
-              <a:t> method=</a:t>
-            </a:r>
-            <a:r>
-              <a:rPr lang="en" altLang="ko-KR" i="1" dirty="0"/>
-              <a:t>“#"</a:t>
-            </a:r>
-            <a:r>
-              <a:rPr lang="en" altLang="ko-KR" dirty="0"/>
-              <a:t>&gt;</a:t>
-            </a:r>
-          </a:p>
-          <a:p>
-            <a:pPr marL="0" indent="0">
-              <a:buNone/>
-            </a:pPr>
-            <a:r>
-              <a:rPr lang="en" altLang="ko-KR" dirty="0"/>
-              <a:t>	&lt;table&gt;</a:t>
-            </a:r>
-          </a:p>
-          <a:p>
-            <a:pPr marL="0" indent="0">
-              <a:buNone/>
-            </a:pPr>
-            <a:r>
-              <a:rPr lang="en" altLang="ko-KR" dirty="0"/>
-              <a:t>		&lt;caption&gt;</a:t>
-            </a:r>
-            <a:r>
-              <a:rPr lang="ko-KR" altLang="en-US" dirty="0" err="1"/>
-              <a:t>게시글</a:t>
-            </a:r>
-            <a:r>
-              <a:rPr lang="ko-KR" altLang="en-US" dirty="0"/>
-              <a:t> 쓰기</a:t>
-            </a:r>
-            <a:r>
-              <a:rPr lang="en-US" altLang="ko-KR" dirty="0"/>
-              <a:t>&lt;/</a:t>
-            </a:r>
-            <a:r>
-              <a:rPr lang="en" altLang="ko-KR" dirty="0"/>
-              <a:t>caption&gt;</a:t>
-            </a:r>
-          </a:p>
-          <a:p>
-            <a:pPr marL="0" indent="0">
-              <a:buNone/>
-            </a:pPr>
-            <a:r>
-              <a:rPr lang="en" altLang="ko-KR" dirty="0"/>
-              <a:t>		&lt;</a:t>
+              <a:rPr lang="en" altLang="ko-KR" b="1" dirty="0"/>
+              <a:t>void</a:t>
+            </a:r>
+            <a:r>
+              <a:rPr lang="en" altLang="ko-KR" dirty="0"/>
+              <a:t> </a:t>
             </a:r>
             <a:r>
               <a:rPr lang="en" altLang="ko-KR" dirty="0" err="1"/>
-              <a:t>tr</a:t>
-            </a:r>
-            <a:r>
-              <a:rPr lang="en" altLang="ko-KR" dirty="0"/>
-              <a:t>&gt;&lt;td&gt;</a:t>
-            </a:r>
-            <a:r>
-              <a:rPr lang="ko-KR" altLang="en-US" dirty="0"/>
-              <a:t>글쓴이</a:t>
-            </a:r>
-            <a:r>
-              <a:rPr lang="en-US" altLang="ko-KR" dirty="0"/>
-              <a:t>&lt;/</a:t>
-            </a:r>
-            <a:r>
-              <a:rPr lang="en" altLang="ko-KR" dirty="0"/>
-              <a:t>td&gt;</a:t>
-            </a:r>
-          </a:p>
-          <a:p>
-            <a:pPr marL="0" indent="0">
-              <a:buNone/>
-            </a:pPr>
-            <a:r>
-              <a:rPr lang="en" altLang="ko-KR" dirty="0"/>
-              <a:t>			&lt;td&gt;&lt;input type=</a:t>
-            </a:r>
-            <a:r>
-              <a:rPr lang="en" altLang="ko-KR" i="1" dirty="0"/>
-              <a:t>"text"</a:t>
-            </a:r>
-            <a:r>
-              <a:rPr lang="en" altLang="ko-KR" dirty="0"/>
-              <a:t> name=</a:t>
-            </a:r>
-            <a:r>
-              <a:rPr lang="en" altLang="ko-KR" i="1" dirty="0"/>
-              <a:t>"</a:t>
-            </a:r>
-            <a:r>
-              <a:rPr lang="en" altLang="ko-KR" i="1" dirty="0" err="1"/>
-              <a:t>boardWriter</a:t>
-            </a:r>
-            <a:r>
-              <a:rPr lang="en" altLang="ko-KR" i="1" dirty="0"/>
-              <a:t>"</a:t>
-            </a:r>
-            <a:r>
-              <a:rPr lang="en" altLang="ko-KR" dirty="0"/>
-              <a:t>&gt;&lt;/td&gt;</a:t>
-            </a:r>
-          </a:p>
-          <a:p>
-            <a:pPr marL="0" indent="0">
-              <a:buNone/>
-            </a:pPr>
-            <a:r>
-              <a:rPr lang="en" altLang="ko-KR" dirty="0"/>
-              <a:t>		&lt;/</a:t>
+              <a:t>doGet</a:t>
+            </a:r>
+            <a:r>
+              <a:rPr lang="en" altLang="ko-KR" dirty="0"/>
+              <a:t>(</a:t>
             </a:r>
             <a:r>
               <a:rPr lang="en" altLang="ko-KR" dirty="0" err="1"/>
-              <a:t>tr</a:t>
-            </a:r>
-            <a:r>
-              <a:rPr lang="en" altLang="ko-KR" dirty="0"/>
-              <a:t>&gt;</a:t>
-            </a:r>
-          </a:p>
-          <a:p>
-            <a:pPr marL="0" indent="0">
-              <a:buNone/>
-            </a:pPr>
-            <a:r>
-              <a:rPr lang="en" altLang="ko-KR" dirty="0"/>
-              <a:t>		&lt;</a:t>
-            </a:r>
-            <a:r>
-              <a:rPr lang="en" altLang="ko-KR" dirty="0" err="1"/>
-              <a:t>tr</a:t>
-            </a:r>
-            <a:r>
-              <a:rPr lang="en" altLang="ko-KR" dirty="0"/>
-              <a:t>&gt;&lt;td&gt;</a:t>
-            </a:r>
-            <a:r>
-              <a:rPr lang="ko-KR" altLang="en-US" dirty="0"/>
-              <a:t>제목</a:t>
-            </a:r>
-            <a:r>
-              <a:rPr lang="en-US" altLang="ko-KR" dirty="0"/>
-              <a:t>&lt;/</a:t>
-            </a:r>
-            <a:r>
-              <a:rPr lang="en" altLang="ko-KR" dirty="0"/>
-              <a:t>td&gt;</a:t>
-            </a:r>
-          </a:p>
-          <a:p>
-            <a:pPr marL="0" indent="0">
-              <a:buNone/>
-            </a:pPr>
-            <a:r>
-              <a:rPr lang="en" altLang="ko-KR" dirty="0"/>
-              <a:t>			&lt;td&gt;&lt;input type=</a:t>
-            </a:r>
-            <a:r>
-              <a:rPr lang="en" altLang="ko-KR" i="1" dirty="0"/>
-              <a:t>"text"</a:t>
-            </a:r>
-            <a:r>
-              <a:rPr lang="en" altLang="ko-KR" dirty="0"/>
-              <a:t> name=</a:t>
-            </a:r>
-            <a:r>
-              <a:rPr lang="en" altLang="ko-KR" i="1" dirty="0"/>
-              <a:t>"</a:t>
-            </a:r>
-            <a:r>
-              <a:rPr lang="en" altLang="ko-KR" i="1" dirty="0" err="1"/>
-              <a:t>boardSubject</a:t>
-            </a:r>
-            <a:r>
-              <a:rPr lang="en" altLang="ko-KR" i="1" dirty="0"/>
-              <a:t>"</a:t>
-            </a:r>
-            <a:r>
-              <a:rPr lang="en" altLang="ko-KR" dirty="0"/>
-              <a:t>&gt;&lt;/td&gt;</a:t>
-            </a:r>
-          </a:p>
-          <a:p>
-            <a:pPr marL="0" indent="0">
-              <a:buNone/>
-            </a:pPr>
-            <a:r>
-              <a:rPr lang="en" altLang="ko-KR" dirty="0"/>
-              <a:t>		&lt;/</a:t>
-            </a:r>
-            <a:r>
-              <a:rPr lang="en" altLang="ko-KR" dirty="0" err="1"/>
-              <a:t>tr</a:t>
-            </a:r>
-            <a:r>
-              <a:rPr lang="en" altLang="ko-KR" dirty="0"/>
-              <a:t>&gt;</a:t>
-            </a:r>
-          </a:p>
-          <a:p>
-            <a:pPr marL="0" indent="0">
-              <a:buNone/>
-            </a:pPr>
-            <a:r>
-              <a:rPr lang="en" altLang="ko-KR" dirty="0"/>
-              <a:t>		&lt;</a:t>
-            </a:r>
-            <a:r>
-              <a:rPr lang="en" altLang="ko-KR" dirty="0" err="1"/>
-              <a:t>tr</a:t>
-            </a:r>
-            <a:r>
-              <a:rPr lang="en" altLang="ko-KR" dirty="0"/>
-              <a:t>&gt;&lt;td&gt;</a:t>
-            </a:r>
-            <a:r>
-              <a:rPr lang="ko-KR" altLang="en-US" dirty="0"/>
-              <a:t>내용</a:t>
-            </a:r>
-            <a:r>
-              <a:rPr lang="en-US" altLang="ko-KR" dirty="0"/>
-              <a:t>&lt;/</a:t>
-            </a:r>
-            <a:r>
-              <a:rPr lang="en" altLang="ko-KR" dirty="0"/>
-              <a:t>td&gt;</a:t>
-            </a:r>
-          </a:p>
-          <a:p>
-            <a:pPr marL="0" indent="0">
-              <a:buNone/>
-            </a:pPr>
-            <a:r>
-              <a:rPr lang="en" altLang="ko-KR" dirty="0"/>
-              <a:t>			&lt;td&gt;&lt;</a:t>
-            </a:r>
-            <a:r>
-              <a:rPr lang="en" altLang="ko-KR" dirty="0" err="1"/>
-              <a:t>textarea</a:t>
-            </a:r>
-            <a:r>
-              <a:rPr lang="en" altLang="ko-KR" dirty="0"/>
-              <a:t> rows=</a:t>
-            </a:r>
-            <a:r>
-              <a:rPr lang="en" altLang="ko-KR" i="1" dirty="0"/>
-              <a:t>"6"</a:t>
-            </a:r>
-            <a:r>
-              <a:rPr lang="en" altLang="ko-KR" dirty="0"/>
-              <a:t> cols=</a:t>
-            </a:r>
-            <a:r>
-              <a:rPr lang="en" altLang="ko-KR" i="1" dirty="0"/>
-              <a:t>"40"</a:t>
-            </a:r>
-            <a:r>
-              <a:rPr lang="en" altLang="ko-KR" dirty="0"/>
-              <a:t> name=</a:t>
-            </a:r>
-            <a:r>
-              <a:rPr lang="en" altLang="ko-KR" i="1" dirty="0"/>
-              <a:t>"</a:t>
-            </a:r>
-            <a:r>
-              <a:rPr lang="en" altLang="ko-KR" i="1" dirty="0" err="1"/>
-              <a:t>boardContent</a:t>
-            </a:r>
-            <a:r>
-              <a:rPr lang="en" altLang="ko-KR" i="1" dirty="0"/>
-              <a:t>"</a:t>
-            </a:r>
-            <a:r>
-              <a:rPr lang="en" altLang="ko-KR" dirty="0"/>
-              <a:t>&gt;&lt;/</a:t>
-            </a:r>
-            <a:r>
-              <a:rPr lang="en" altLang="ko-KR" dirty="0" err="1"/>
-              <a:t>textarea</a:t>
-            </a:r>
-            <a:r>
-              <a:rPr lang="en" altLang="ko-KR" dirty="0"/>
-              <a:t>&gt;&lt;/td&gt;</a:t>
-            </a:r>
-          </a:p>
-          <a:p>
-            <a:pPr marL="0" indent="0">
-              <a:buNone/>
-            </a:pPr>
-            <a:r>
-              <a:rPr lang="en" altLang="ko-KR" dirty="0"/>
-              <a:t>		&lt;/</a:t>
-            </a:r>
-            <a:r>
-              <a:rPr lang="en" altLang="ko-KR" dirty="0" err="1"/>
-              <a:t>tr</a:t>
-            </a:r>
-            <a:r>
-              <a:rPr lang="en" altLang="ko-KR" dirty="0"/>
-              <a:t>&gt;</a:t>
-            </a:r>
-          </a:p>
-          <a:p>
-            <a:pPr marL="0" indent="0">
-              <a:buNone/>
-            </a:pPr>
-            <a:r>
-              <a:rPr lang="en" altLang="ko-KR" dirty="0"/>
-              <a:t>		&lt;</a:t>
-            </a:r>
-            <a:r>
-              <a:rPr lang="en" altLang="ko-KR" dirty="0" err="1"/>
-              <a:t>tr</a:t>
-            </a:r>
-            <a:r>
-              <a:rPr lang="en" altLang="ko-KR" dirty="0"/>
-              <a:t>&gt;&lt;</a:t>
-            </a:r>
-            <a:r>
-              <a:rPr lang="en" altLang="ko-KR" dirty="0" err="1"/>
-              <a:t>th</a:t>
-            </a:r>
-            <a:r>
-              <a:rPr lang="en" altLang="ko-KR" dirty="0"/>
-              <a:t> </a:t>
-            </a:r>
-            <a:r>
-              <a:rPr lang="en" altLang="ko-KR" dirty="0" err="1"/>
-              <a:t>colspan</a:t>
-            </a:r>
-            <a:r>
-              <a:rPr lang="en" altLang="ko-KR" dirty="0"/>
-              <a:t>=</a:t>
-            </a:r>
-            <a:r>
-              <a:rPr lang="en" altLang="ko-KR" i="1" dirty="0"/>
-              <a:t>2</a:t>
-            </a:r>
-            <a:r>
-              <a:rPr lang="en" altLang="ko-KR" dirty="0"/>
-              <a:t>&gt;</a:t>
-            </a:r>
-          </a:p>
-          <a:p>
-            <a:pPr marL="0" indent="0">
-              <a:buNone/>
-            </a:pPr>
-            <a:r>
-              <a:rPr lang="en" altLang="ko-KR" dirty="0"/>
-              <a:t>			&lt;input type=</a:t>
-            </a:r>
-            <a:r>
-              <a:rPr lang="en" altLang="ko-KR" i="1" dirty="0"/>
-              <a:t>"submit"</a:t>
-            </a:r>
-            <a:r>
-              <a:rPr lang="en" altLang="ko-KR" dirty="0"/>
-              <a:t> value=</a:t>
-            </a:r>
-            <a:r>
-              <a:rPr lang="en" altLang="ko-KR" i="1" dirty="0"/>
-              <a:t>"</a:t>
-            </a:r>
-            <a:r>
-              <a:rPr lang="ko-KR" altLang="en-US" i="1" dirty="0" err="1"/>
-              <a:t>게시글</a:t>
-            </a:r>
-            <a:r>
-              <a:rPr lang="ko-KR" altLang="en-US" i="1" dirty="0"/>
-              <a:t> 등록</a:t>
-            </a:r>
-            <a:r>
-              <a:rPr lang="en-US" altLang="ko-KR" i="1" dirty="0"/>
-              <a:t>"</a:t>
-            </a:r>
-            <a:r>
-              <a:rPr lang="en-US" altLang="ko-KR" dirty="0"/>
-              <a:t>&gt;</a:t>
+              <a:t>HttpServletRequest</a:t>
+            </a:r>
+            <a:r>
+              <a:rPr lang="en" altLang="ko-KR" dirty="0"/>
+              <a:t> request, </a:t>
             </a:r>
             <a:r>
               <a:rPr lang="ko-KR" altLang="en-US" dirty="0"/>
@@ -8431,54 +8116,273 @@
               <a:buNone/>
             </a:pPr>
             <a:r>
+              <a:rPr lang="ko-KR" altLang="en-US" dirty="0"/>
+              <a:t>               </a:t>
+            </a:r>
+            <a:r>
+              <a:rPr lang="en" altLang="ko-KR" dirty="0" err="1"/>
+              <a:t>HttpServletResponse</a:t>
+            </a:r>
+            <a:r>
+              <a:rPr lang="en" altLang="ko-KR" dirty="0"/>
+              <a:t> response) </a:t>
+            </a:r>
+            <a:r>
+              <a:rPr lang="en" altLang="ko-KR" b="1" dirty="0"/>
+              <a:t>throws</a:t>
+            </a:r>
+            <a:r>
               <a:rPr lang="en-US" altLang="ko-KR" dirty="0"/>
-              <a:t>		&lt;/</a:t>
+              <a:t>. </a:t>
+            </a:r>
+            <a:r>
+              <a:rPr lang="ko-KR" altLang="en-US" dirty="0"/>
+              <a:t>         </a:t>
+            </a:r>
+            <a:endParaRPr lang="en-US" altLang="ko-KR" dirty="0"/>
+          </a:p>
+          <a:p>
+            <a:pPr marL="0" indent="0">
+              <a:buNone/>
+            </a:pPr>
+            <a:r>
+              <a:rPr lang="ko-KR" altLang="en-US" dirty="0"/>
+              <a:t>                           </a:t>
             </a:r>
             <a:r>
               <a:rPr lang="en" altLang="ko-KR" dirty="0" err="1"/>
-              <a:t>th</a:t>
-            </a:r>
-            <a:r>
-              <a:rPr lang="en" altLang="ko-KR" dirty="0"/>
-              <a:t>&gt;&lt;/</a:t>
+              <a:t>ServletException</a:t>
+            </a:r>
+            <a:r>
+              <a:rPr lang="en" altLang="ko-KR" dirty="0"/>
+              <a:t>, </a:t>
             </a:r>
             <a:r>
               <a:rPr lang="en" altLang="ko-KR" dirty="0" err="1"/>
-              <a:t>tr</a:t>
-            </a:r>
-            <a:r>
-              <a:rPr lang="en" altLang="ko-KR" dirty="0"/>
-              <a:t>&gt;</a:t>
-            </a:r>
-          </a:p>
-          <a:p>
-            <a:pPr marL="0" indent="0">
-              <a:buNone/>
-            </a:pPr>
-            <a:r>
-              <a:rPr lang="en" altLang="ko-KR" dirty="0"/>
-              <a:t>	&lt;/table&gt;</a:t>
-            </a:r>
-          </a:p>
-          <a:p>
-            <a:pPr marL="0" indent="0">
-              <a:buNone/>
-            </a:pPr>
-            <a:r>
-              <a:rPr lang="en" altLang="ko-KR" dirty="0"/>
-              <a:t>&lt;/form&gt;</a:t>
-            </a:r>
-          </a:p>
-          <a:p>
-            <a:pPr marL="0" indent="0">
-              <a:buNone/>
-            </a:pPr>
-            <a:endParaRPr lang="en-US" altLang="ko-KR" dirty="0"/>
-          </a:p>
-          <a:p>
-            <a:pPr marL="0" indent="0">
-              <a:buNone/>
-            </a:pPr>
+              <a:t>IOException</a:t>
+            </a:r>
+            <a:r>
+              <a:rPr lang="en" altLang="ko-KR" dirty="0"/>
+              <a:t> {</a:t>
+            </a:r>
+          </a:p>
+          <a:p>
+            <a:pPr marL="0" indent="0">
+              <a:buNone/>
+            </a:pPr>
+            <a:r>
+              <a:rPr kumimoji="1" lang="ko-KR" altLang="en-US" dirty="0"/>
+              <a:t>        </a:t>
+            </a:r>
+            <a:r>
+              <a:rPr kumimoji="1" lang="en-US" altLang="ko-KR" dirty="0"/>
+              <a:t>…</a:t>
+            </a:r>
+          </a:p>
+          <a:p>
+            <a:pPr marL="0" indent="0">
+              <a:buNone/>
+            </a:pPr>
+            <a:r>
+              <a:rPr kumimoji="1" lang="ko-KR" altLang="en-US" dirty="0"/>
+              <a:t>        </a:t>
+            </a:r>
+            <a:r>
+              <a:rPr kumimoji="1" lang="en-US" altLang="ko-KR" dirty="0"/>
+              <a:t>if(){</a:t>
+            </a:r>
+          </a:p>
+          <a:p>
+            <a:pPr marL="0" indent="0">
+              <a:buNone/>
+            </a:pPr>
+            <a:r>
+              <a:rPr kumimoji="1" lang="en-US" altLang="ko-KR" dirty="0"/>
+              <a:t>        …</a:t>
+            </a:r>
+          </a:p>
+          <a:p>
+            <a:pPr marL="0" indent="0">
+              <a:buNone/>
+            </a:pPr>
+            <a:r>
+              <a:rPr kumimoji="1" lang="ko-KR" altLang="en-US" dirty="0"/>
+              <a:t>        </a:t>
+            </a:r>
+            <a:r>
+              <a:rPr kumimoji="1" lang="en-US" altLang="ko-KR" dirty="0"/>
+              <a:t>}</a:t>
+            </a:r>
+            <a:r>
+              <a:rPr kumimoji="1" lang="en-US" altLang="ko-KR" dirty="0">
+                <a:solidFill>
+                  <a:srgbClr val="FF0000"/>
+                </a:solidFill>
+              </a:rPr>
+              <a:t>else if(</a:t>
+            </a:r>
+            <a:r>
+              <a:rPr lang="en" altLang="ko-KR" dirty="0">
+                <a:solidFill>
+                  <a:srgbClr val="FF0000"/>
+                </a:solidFill>
+              </a:rPr>
+              <a:t>command.equals("/boardWrite.</a:t>
+            </a:r>
+            <a:r>
+              <a:rPr lang="en-US" altLang="ko-KR" dirty="0" err="1">
+                <a:solidFill>
+                  <a:srgbClr val="FF0000"/>
+                </a:solidFill>
+              </a:rPr>
+              <a:t>naver</a:t>
+            </a:r>
+            <a:r>
+              <a:rPr lang="en" altLang="ko-KR" dirty="0">
+                <a:solidFill>
+                  <a:srgbClr val="FF0000"/>
+                </a:solidFill>
+              </a:rPr>
+              <a:t>”</a:t>
+            </a:r>
+            <a:r>
+              <a:rPr kumimoji="1" lang="en-US" altLang="ko-KR" dirty="0">
+                <a:solidFill>
+                  <a:srgbClr val="FF0000"/>
+                </a:solidFill>
+              </a:rPr>
+              <a:t>)){</a:t>
+            </a:r>
+          </a:p>
+          <a:p>
+            <a:pPr marL="0" indent="0">
+              <a:buNone/>
+            </a:pPr>
+            <a:r>
+              <a:rPr kumimoji="1" lang="en-US" altLang="ko-KR" dirty="0">
+                <a:solidFill>
+                  <a:srgbClr val="FF0000"/>
+                </a:solidFill>
+              </a:rPr>
+              <a:t>              </a:t>
+            </a:r>
+            <a:r>
+              <a:rPr lang="en" altLang="ko-KR" dirty="0" err="1">
+                <a:solidFill>
+                  <a:srgbClr val="FF0000"/>
+                </a:solidFill>
+              </a:rPr>
+              <a:t>RequestDispatcher</a:t>
+            </a:r>
+            <a:r>
+              <a:rPr lang="en" altLang="ko-KR" dirty="0">
+                <a:solidFill>
+                  <a:srgbClr val="FF0000"/>
+                </a:solidFill>
+              </a:rPr>
+              <a:t> dispatcher =     </a:t>
+            </a:r>
+          </a:p>
+          <a:p>
+            <a:pPr marL="0" indent="0">
+              <a:buNone/>
+            </a:pPr>
+            <a:r>
+              <a:rPr lang="en" altLang="ko-KR" dirty="0">
+                <a:solidFill>
+                  <a:srgbClr val="FF0000"/>
+                </a:solidFill>
+              </a:rPr>
+              <a:t>                                 </a:t>
+            </a:r>
+            <a:r>
+              <a:rPr lang="en" altLang="ko-KR" dirty="0" err="1">
+                <a:solidFill>
+                  <a:srgbClr val="FF0000"/>
+                </a:solidFill>
+              </a:rPr>
+              <a:t>request.getRequestDispatcher</a:t>
+            </a:r>
+            <a:r>
+              <a:rPr lang="en" altLang="ko-KR" dirty="0">
+                <a:solidFill>
+                  <a:srgbClr val="FF0000"/>
+                </a:solidFill>
+              </a:rPr>
+              <a:t>("/board/</a:t>
+            </a:r>
+            <a:r>
+              <a:rPr lang="en" altLang="ko-KR" dirty="0" err="1">
+                <a:solidFill>
+                  <a:srgbClr val="FF0000"/>
+                </a:solidFill>
+              </a:rPr>
+              <a:t>boardForm.jsp</a:t>
+            </a:r>
+            <a:r>
+              <a:rPr lang="en" altLang="ko-KR" dirty="0">
+                <a:solidFill>
+                  <a:srgbClr val="FF0000"/>
+                </a:solidFill>
+              </a:rPr>
+              <a:t>");</a:t>
+            </a:r>
+          </a:p>
+          <a:p>
+            <a:pPr marL="0" indent="0">
+              <a:buNone/>
+            </a:pPr>
+            <a:r>
+              <a:rPr lang="en" altLang="ko-KR" dirty="0">
+                <a:solidFill>
+                  <a:srgbClr val="FF0000"/>
+                </a:solidFill>
+              </a:rPr>
+              <a:t>               </a:t>
+            </a:r>
+            <a:r>
+              <a:rPr lang="en" altLang="ko-KR" dirty="0" err="1">
+                <a:solidFill>
+                  <a:srgbClr val="FF0000"/>
+                </a:solidFill>
+              </a:rPr>
+              <a:t>dispatcher.forward</a:t>
+            </a:r>
+            <a:r>
+              <a:rPr lang="en" altLang="ko-KR" dirty="0">
+                <a:solidFill>
+                  <a:srgbClr val="FF0000"/>
+                </a:solidFill>
+              </a:rPr>
+              <a:t>(request, response);</a:t>
+            </a:r>
+            <a:endParaRPr kumimoji="1" lang="en-US" altLang="ko-KR" dirty="0">
+              <a:solidFill>
+                <a:srgbClr val="FF0000"/>
+              </a:solidFill>
+            </a:endParaRPr>
+          </a:p>
+          <a:p>
+            <a:pPr marL="0" indent="0">
+              <a:buNone/>
+            </a:pPr>
+            <a:r>
+              <a:rPr kumimoji="1" lang="en-US" altLang="ko-KR" dirty="0">
+                <a:solidFill>
+                  <a:srgbClr val="FF0000"/>
+                </a:solidFill>
+              </a:rPr>
+              <a:t>        }</a:t>
+            </a:r>
+          </a:p>
+          <a:p>
+            <a:pPr marL="0" indent="0">
+              <a:buNone/>
+            </a:pPr>
+            <a:r>
+              <a:rPr kumimoji="1" lang="en-US" altLang="ko-KR" dirty="0"/>
+              <a:t>}</a:t>
+            </a:r>
             <a:endParaRPr kumimoji="1" lang="ko-KR" altLang="en-US" dirty="0"/>
           </a:p>
         </p:txBody>
@@ -8486,7 +8390,7 @@
     </p:spTree>
     <p:extLst>
       <p:ext uri="{BB962C8B-B14F-4D97-AF65-F5344CB8AC3E}">
-        <p14:creationId xmlns:p14="http://schemas.microsoft.com/office/powerpoint/2010/main" val="2641430204"/>
+        <p14:creationId xmlns:p14="http://schemas.microsoft.com/office/powerpoint/2010/main" val="159709083"/>
       </p:ext>
     </p:extLst>
   </p:cSld>
@@ -8518,7 +8422,7 @@
           <p:cNvPr id="5" name="그림 4">
             <a:extLst>
               <a:ext uri="{FF2B5EF4-FFF2-40B4-BE49-F238E27FC236}">
-                <a16:creationId xmlns:a16="http://schemas.microsoft.com/office/drawing/2014/main" id="{897C865E-529A-FE03-3004-A67094737ADA}"/>
+                <a16:creationId xmlns:a16="http://schemas.microsoft.com/office/drawing/2014/main" id="{DD26746E-965F-E0C2-8D26-C8EECEDE9E63}"/>
               </a:ext>
             </a:extLst>
           </p:cNvPr>
@@ -8535,66 +8439,48 @@
         </p:blipFill>
         <p:spPr>
           <a:xfrm>
-            <a:off x="0" y="1386901"/>
-            <a:ext cx="12192000" cy="5118187"/>
+            <a:off x="161511" y="361743"/>
+            <a:ext cx="6515100" cy="5895975"/>
           </a:xfrm>
           <a:prstGeom prst="rect">
             <a:avLst/>
           </a:prstGeom>
         </p:spPr>
       </p:pic>
-      <p:sp>
-        <p:nvSpPr>
-          <p:cNvPr id="6" name="TextBox 5">
+      <p:pic>
+        <p:nvPicPr>
+          <p:cNvPr id="2" name="그림 1">
             <a:extLst>
               <a:ext uri="{FF2B5EF4-FFF2-40B4-BE49-F238E27FC236}">
-                <a16:creationId xmlns:a16="http://schemas.microsoft.com/office/drawing/2014/main" id="{83F2F5A8-AA43-F699-0827-AB556D248EBD}"/>
+                <a16:creationId xmlns:a16="http://schemas.microsoft.com/office/drawing/2014/main" id="{FEF8C1FD-F1A7-38E2-0EEB-6829149D12EE}"/>
               </a:ext>
             </a:extLst>
           </p:cNvPr>
-          <p:cNvSpPr txBox="1"/>
+          <p:cNvPicPr>
+            <a:picLocks noChangeAspect="1"/>
+          </p:cNvPicPr>
           <p:nvPr/>
-        </p:nvSpPr>
+        </p:nvPicPr>
+        <p:blipFill>
+          <a:blip r:embed="rId3"/>
+          <a:stretch>
+            <a:fillRect/>
+          </a:stretch>
+        </p:blipFill>
         <p:spPr>
           <a:xfrm>
-            <a:off x="0" y="383194"/>
-            <a:ext cx="5777287" cy="369332"/>
+            <a:off x="7033177" y="718930"/>
+            <a:ext cx="4857750" cy="5181600"/>
           </a:xfrm>
           <a:prstGeom prst="rect">
             <a:avLst/>
           </a:prstGeom>
-          <a:noFill/>
         </p:spPr>
-        <p:txBody>
-          <a:bodyPr wrap="none" rtlCol="0">
-            <a:spAutoFit/>
-          </a:bodyPr>
-          <a:lstStyle/>
-          <a:p>
-            <a:r>
-              <a:rPr lang="ko-KR" altLang="en-US" dirty="0"/>
-              <a:t>다시 </a:t>
-            </a:r>
-            <a:r>
-              <a:rPr lang="en-US" altLang="ko-KR" dirty="0" err="1"/>
-              <a:t>BoardFrontController</a:t>
-            </a:r>
-            <a:r>
-              <a:rPr lang="ko-KR" altLang="en-US" dirty="0"/>
-              <a:t> 를 열어서 내용을 추가한다</a:t>
-            </a:r>
-            <a:r>
-              <a:rPr lang="en-US" altLang="ko-KR" dirty="0"/>
-              <a:t>.</a:t>
-            </a:r>
-            <a:endParaRPr lang="ko-KR" altLang="en-US" dirty="0"/>
-          </a:p>
-        </p:txBody>
-      </p:sp>
+      </p:pic>
     </p:spTree>
     <p:extLst>
       <p:ext uri="{BB962C8B-B14F-4D97-AF65-F5344CB8AC3E}">
-        <p14:creationId xmlns:p14="http://schemas.microsoft.com/office/powerpoint/2010/main" val="2492955417"/>
+        <p14:creationId xmlns:p14="http://schemas.microsoft.com/office/powerpoint/2010/main" val="340015408"/>
       </p:ext>
     </p:extLst>
   </p:cSld>
@@ -8626,7 +8512,7 @@
           <p:cNvPr id="3" name="내용 개체 틀 2">
             <a:extLst>
               <a:ext uri="{FF2B5EF4-FFF2-40B4-BE49-F238E27FC236}">
-                <a16:creationId xmlns:a16="http://schemas.microsoft.com/office/drawing/2014/main" id="{EF4077C2-D5EF-5843-9C64-C7761C85C924}"/>
+                <a16:creationId xmlns:a16="http://schemas.microsoft.com/office/drawing/2014/main" id="{CA0EA590-849B-4945-8F56-730DA71C8923}"/>
               </a:ext>
             </a:extLst>
           </p:cNvPr>
@@ -8639,13 +8525,13 @@
         </p:nvSpPr>
         <p:spPr>
           <a:xfrm>
-            <a:off x="838200" y="441789"/>
-            <a:ext cx="10515600" cy="5735174"/>
+            <a:off x="838200" y="503434"/>
+            <a:ext cx="10515600" cy="5673529"/>
           </a:xfrm>
         </p:spPr>
         <p:txBody>
           <a:bodyPr>
-            <a:normAutofit fontScale="70000" lnSpcReduction="20000"/>
+            <a:normAutofit fontScale="55000" lnSpcReduction="20000"/>
           </a:bodyPr>
           <a:lstStyle/>
           <a:p>
@@ -8653,27 +8539,35 @@
               <a:buNone/>
             </a:pPr>
             <a:r>
-              <a:rPr kumimoji="1" lang="en-US" altLang="ko-KR" dirty="0" err="1"/>
-              <a:t>FrontController</a:t>
-            </a:r>
-            <a:r>
               <a:rPr kumimoji="1" lang="ko-KR" altLang="en-US" dirty="0"/>
-              <a:t>에서 </a:t>
+              <a:t>먼저 </a:t>
             </a:r>
             <a:r>
               <a:rPr kumimoji="1" lang="en-US" altLang="ko-KR" dirty="0"/>
-              <a:t> </a:t>
-            </a:r>
-            <a:r>
-              <a:rPr kumimoji="1" lang="en-US" altLang="ko-KR" dirty="0" err="1"/>
+              <a:t>“</a:t>
+            </a:r>
+            <a:r>
+              <a:rPr lang="en-US" altLang="ko-KR" dirty="0" err="1"/>
+              <a:t>boardWrite.naver</a:t>
+            </a:r>
+            <a:r>
+              <a:rPr lang="en-US" altLang="ko-KR" dirty="0"/>
+              <a:t>”</a:t>
+            </a:r>
+            <a:r>
+              <a:rPr lang="ko-KR" altLang="en-US" dirty="0"/>
+              <a:t>주소에서 열릴 </a:t>
+            </a:r>
+            <a:r>
+              <a:rPr lang="en-US" altLang="ko-KR" dirty="0" err="1"/>
               <a:t>boardForm.jsp</a:t>
             </a:r>
             <a:r>
-              <a:rPr kumimoji="1" lang="ko-KR" altLang="en-US" dirty="0"/>
-              <a:t>파일을 웹브라우저에 전송하는 코드를 작성해준다</a:t>
-            </a:r>
-            <a:r>
-              <a:rPr kumimoji="1" lang="en-US" altLang="ko-KR" dirty="0"/>
+              <a:rPr lang="ko-KR" altLang="en-US" dirty="0"/>
+              <a:t>파일을 만들어야 할 것이다</a:t>
+            </a:r>
+            <a:r>
+              <a:rPr lang="en-US" altLang="ko-KR" dirty="0"/>
               <a:t>.</a:t>
             </a:r>
           </a:p>
@@ -8682,99 +8576,373 @@
               <a:buNone/>
             </a:pPr>
             <a:r>
-              <a:rPr lang="en" altLang="ko-KR" b="1" dirty="0"/>
-              <a:t>public</a:t>
-            </a:r>
-            <a:r>
-              <a:rPr lang="en" altLang="ko-KR" dirty="0"/>
-              <a:t> </a:t>
-            </a:r>
-            <a:r>
-              <a:rPr lang="en" altLang="ko-KR" b="1" dirty="0"/>
-              <a:t>class</a:t>
-            </a:r>
-            <a:r>
-              <a:rPr lang="en" altLang="ko-KR" dirty="0"/>
-              <a:t> </a:t>
-            </a:r>
-            <a:r>
-              <a:rPr lang="en" altLang="ko-KR" u="sng" dirty="0" err="1"/>
-              <a:t>BoardFrontController</a:t>
-            </a:r>
-            <a:r>
-              <a:rPr lang="en" altLang="ko-KR" dirty="0"/>
-              <a:t> </a:t>
-            </a:r>
-            <a:r>
-              <a:rPr lang="en" altLang="ko-KR" b="1" dirty="0"/>
-              <a:t>extends</a:t>
-            </a:r>
-            <a:r>
-              <a:rPr lang="en" altLang="ko-KR" dirty="0"/>
-              <a:t> </a:t>
-            </a:r>
-            <a:r>
-              <a:rPr lang="en" altLang="ko-KR" dirty="0" err="1"/>
-              <a:t>HttpServlet</a:t>
-            </a:r>
-            <a:r>
-              <a:rPr lang="en" altLang="ko-KR" dirty="0"/>
-              <a:t>       </a:t>
-            </a:r>
-          </a:p>
-          <a:p>
-            <a:pPr marL="0" indent="0">
-              <a:buNone/>
-            </a:pPr>
-            <a:r>
-              <a:rPr lang="ko-KR" altLang="en-US" b="1" dirty="0"/>
-              <a:t>              </a:t>
-            </a:r>
-            <a:r>
-              <a:rPr lang="en" altLang="ko-KR" b="1" dirty="0"/>
-              <a:t>implements</a:t>
-            </a:r>
-            <a:r>
-              <a:rPr lang="en" altLang="ko-KR" dirty="0"/>
-              <a:t> </a:t>
-            </a:r>
-            <a:r>
-              <a:rPr lang="en" altLang="ko-KR" dirty="0" err="1"/>
-              <a:t>javax.servlet.Servlet</a:t>
-            </a:r>
-            <a:r>
-              <a:rPr lang="en" altLang="ko-KR" dirty="0"/>
-              <a:t>{</a:t>
-            </a:r>
-          </a:p>
-          <a:p>
-            <a:pPr marL="0" indent="0">
-              <a:buNone/>
-            </a:pPr>
-            <a:r>
-              <a:rPr lang="en" altLang="ko-KR" dirty="0"/>
-              <a:t>@Override</a:t>
-            </a:r>
-          </a:p>
-          <a:p>
-            <a:pPr marL="0" indent="0">
-              <a:buNone/>
-            </a:pPr>
-            <a:r>
-              <a:rPr lang="ko-KR" altLang="en-US" b="1" dirty="0"/>
-              <a:t>        </a:t>
-            </a:r>
-            <a:r>
-              <a:rPr lang="en" altLang="ko-KR" b="1" dirty="0"/>
-              <a:t>protected</a:t>
+              <a:rPr lang="en-US" altLang="ko-KR" dirty="0" err="1"/>
+              <a:t>Webapps</a:t>
             </a:r>
             <a:r>
               <a:rPr lang="en-US" altLang="ko-KR" dirty="0"/>
               <a:t> </a:t>
             </a:r>
             <a:r>
-              <a:rPr lang="en" altLang="ko-KR" b="1" dirty="0"/>
-              <a:t>void</a:t>
+              <a:rPr lang="ko-KR" altLang="en-US" dirty="0"/>
+              <a:t>밑에</a:t>
+            </a:r>
+            <a:r>
+              <a:rPr lang="en-US" altLang="ko-KR" dirty="0" err="1"/>
+              <a:t>boardFrom.jsp</a:t>
+            </a:r>
+            <a:r>
+              <a:rPr lang="ko-KR" altLang="en-US" dirty="0" err="1"/>
+              <a:t>를</a:t>
+            </a:r>
+            <a:r>
+              <a:rPr lang="ko-KR" altLang="en-US" dirty="0"/>
+              <a:t> 만든다</a:t>
+            </a:r>
+            <a:r>
+              <a:rPr lang="en-US" altLang="ko-KR" dirty="0"/>
+              <a:t>.</a:t>
+            </a:r>
+          </a:p>
+          <a:p>
+            <a:pPr marL="0" indent="0">
+              <a:buNone/>
+            </a:pPr>
+            <a:r>
+              <a:rPr lang="en" altLang="ko-KR" dirty="0"/>
+              <a:t>&lt;form action=</a:t>
+            </a:r>
+            <a:r>
+              <a:rPr lang="en" altLang="ko-KR" i="1" dirty="0"/>
+              <a:t>“#"</a:t>
+            </a:r>
+            <a:r>
+              <a:rPr lang="en" altLang="ko-KR" dirty="0"/>
+              <a:t> method=</a:t>
+            </a:r>
+            <a:r>
+              <a:rPr lang="en" altLang="ko-KR" i="1" dirty="0"/>
+              <a:t>“#"</a:t>
+            </a:r>
+            <a:r>
+              <a:rPr lang="en" altLang="ko-KR" dirty="0"/>
+              <a:t>&gt;</a:t>
+            </a:r>
+          </a:p>
+          <a:p>
+            <a:pPr marL="0" indent="0">
+              <a:buNone/>
+            </a:pPr>
+            <a:r>
+              <a:rPr lang="en" altLang="ko-KR" dirty="0"/>
+              <a:t>	&lt;table&gt;</a:t>
+            </a:r>
+          </a:p>
+          <a:p>
+            <a:pPr marL="0" indent="0">
+              <a:buNone/>
+            </a:pPr>
+            <a:r>
+              <a:rPr lang="en" altLang="ko-KR" dirty="0"/>
+              <a:t>		&lt;caption&gt;</a:t>
+            </a:r>
+            <a:r>
+              <a:rPr lang="ko-KR" altLang="en-US" dirty="0" err="1"/>
+              <a:t>게시글</a:t>
+            </a:r>
+            <a:r>
+              <a:rPr lang="ko-KR" altLang="en-US" dirty="0"/>
+              <a:t> 쓰기</a:t>
+            </a:r>
+            <a:r>
+              <a:rPr lang="en-US" altLang="ko-KR" dirty="0"/>
+              <a:t>&lt;/</a:t>
+            </a:r>
+            <a:r>
+              <a:rPr lang="en" altLang="ko-KR" dirty="0"/>
+              <a:t>caption&gt;</a:t>
+            </a:r>
+          </a:p>
+          <a:p>
+            <a:pPr marL="0" indent="0">
+              <a:buNone/>
+            </a:pPr>
+            <a:r>
+              <a:rPr lang="en" altLang="ko-KR" dirty="0"/>
+              <a:t>		&lt;</a:t>
+            </a:r>
+            <a:r>
+              <a:rPr lang="en" altLang="ko-KR" dirty="0" err="1"/>
+              <a:t>tr</a:t>
+            </a:r>
+            <a:r>
+              <a:rPr lang="en" altLang="ko-KR" dirty="0"/>
+              <a:t>&gt;&lt;td&gt;</a:t>
+            </a:r>
+            <a:r>
+              <a:rPr lang="ko-KR" altLang="en-US" dirty="0"/>
+              <a:t>글쓴이</a:t>
+            </a:r>
+            <a:r>
+              <a:rPr lang="en-US" altLang="ko-KR" dirty="0"/>
+              <a:t>&lt;/</a:t>
+            </a:r>
+            <a:r>
+              <a:rPr lang="en" altLang="ko-KR" dirty="0"/>
+              <a:t>td&gt;</a:t>
+            </a:r>
+          </a:p>
+          <a:p>
+            <a:pPr marL="0" indent="0">
+              <a:buNone/>
+            </a:pPr>
+            <a:r>
+              <a:rPr lang="en" altLang="ko-KR" dirty="0"/>
+              <a:t>			&lt;td&gt;&lt;input type=</a:t>
+            </a:r>
+            <a:r>
+              <a:rPr lang="en" altLang="ko-KR" i="1" dirty="0"/>
+              <a:t>"text"</a:t>
+            </a:r>
+            <a:r>
+              <a:rPr lang="en" altLang="ko-KR" dirty="0"/>
+              <a:t> name=</a:t>
+            </a:r>
+            <a:r>
+              <a:rPr lang="en" altLang="ko-KR" i="1" dirty="0"/>
+              <a:t>"</a:t>
+            </a:r>
+            <a:r>
+              <a:rPr lang="en" altLang="ko-KR" i="1" dirty="0" err="1"/>
+              <a:t>boardWriter</a:t>
+            </a:r>
+            <a:r>
+              <a:rPr lang="en" altLang="ko-KR" i="1" dirty="0"/>
+              <a:t>"</a:t>
+            </a:r>
+            <a:r>
+              <a:rPr lang="en" altLang="ko-KR" dirty="0"/>
+              <a:t>&gt;&lt;/td&gt;</a:t>
+            </a:r>
+          </a:p>
+          <a:p>
+            <a:pPr marL="0" indent="0">
+              <a:buNone/>
+            </a:pPr>
+            <a:r>
+              <a:rPr lang="en" altLang="ko-KR" dirty="0"/>
+              <a:t>		&lt;/</a:t>
+            </a:r>
+            <a:r>
+              <a:rPr lang="en" altLang="ko-KR" dirty="0" err="1"/>
+              <a:t>tr</a:t>
+            </a:r>
+            <a:r>
+              <a:rPr lang="en" altLang="ko-KR" dirty="0"/>
+              <a:t>&gt;</a:t>
+            </a:r>
+          </a:p>
+          <a:p>
+            <a:pPr marL="0" indent="0">
+              <a:buNone/>
+            </a:pPr>
+            <a:r>
+              <a:rPr lang="en" altLang="ko-KR" dirty="0"/>
+              <a:t>		&lt;</a:t>
+            </a:r>
+            <a:r>
+              <a:rPr lang="en" altLang="ko-KR" dirty="0" err="1"/>
+              <a:t>tr</a:t>
+            </a:r>
+            <a:r>
+              <a:rPr lang="en" altLang="ko-KR" dirty="0"/>
+              <a:t>&gt;&lt;td&gt;</a:t>
+            </a:r>
+            <a:r>
+              <a:rPr lang="ko-KR" altLang="en-US" dirty="0"/>
+              <a:t>제목</a:t>
+            </a:r>
+            <a:r>
+              <a:rPr lang="en-US" altLang="ko-KR" dirty="0"/>
+              <a:t>&lt;/</a:t>
+            </a:r>
+            <a:r>
+              <a:rPr lang="en" altLang="ko-KR" dirty="0"/>
+              <a:t>td&gt;</a:t>
+            </a:r>
+          </a:p>
+          <a:p>
+            <a:pPr marL="0" indent="0">
+              <a:buNone/>
+            </a:pPr>
+            <a:r>
+              <a:rPr lang="en" altLang="ko-KR" dirty="0"/>
+              <a:t>			&lt;td&gt;&lt;input type=</a:t>
+            </a:r>
+            <a:r>
+              <a:rPr lang="en" altLang="ko-KR" i="1" dirty="0"/>
+              <a:t>"text"</a:t>
+            </a:r>
+            <a:r>
+              <a:rPr lang="en" altLang="ko-KR" dirty="0"/>
+              <a:t> name=</a:t>
+            </a:r>
+            <a:r>
+              <a:rPr lang="en" altLang="ko-KR" i="1" dirty="0"/>
+              <a:t>"</a:t>
+            </a:r>
+            <a:r>
+              <a:rPr lang="en" altLang="ko-KR" i="1" dirty="0" err="1"/>
+              <a:t>boardSubject</a:t>
+            </a:r>
+            <a:r>
+              <a:rPr lang="en" altLang="ko-KR" i="1" dirty="0"/>
+              <a:t>"</a:t>
+            </a:r>
+            <a:r>
+              <a:rPr lang="en" altLang="ko-KR" dirty="0"/>
+              <a:t>&gt;&lt;/td&gt;</a:t>
+            </a:r>
+          </a:p>
+          <a:p>
+            <a:pPr marL="0" indent="0">
+              <a:buNone/>
+            </a:pPr>
+            <a:r>
+              <a:rPr lang="en" altLang="ko-KR" dirty="0"/>
+              <a:t>		&lt;/</a:t>
+            </a:r>
+            <a:r>
+              <a:rPr lang="en" altLang="ko-KR" dirty="0" err="1"/>
+              <a:t>tr</a:t>
+            </a:r>
+            <a:r>
+              <a:rPr lang="en" altLang="ko-KR" dirty="0"/>
+              <a:t>&gt;</a:t>
+            </a:r>
+          </a:p>
+          <a:p>
+            <a:pPr marL="0" indent="0">
+              <a:buNone/>
+            </a:pPr>
+            <a:r>
+              <a:rPr lang="en" altLang="ko-KR" dirty="0"/>
+              <a:t>		&lt;</a:t>
+            </a:r>
+            <a:r>
+              <a:rPr lang="en" altLang="ko-KR" dirty="0" err="1"/>
+              <a:t>tr</a:t>
+            </a:r>
+            <a:r>
+              <a:rPr lang="en" altLang="ko-KR" dirty="0"/>
+              <a:t>&gt;&lt;td&gt;</a:t>
+            </a:r>
+            <a:r>
+              <a:rPr lang="ko-KR" altLang="en-US" dirty="0"/>
+              <a:t>내용</a:t>
+            </a:r>
+            <a:r>
+              <a:rPr lang="en-US" altLang="ko-KR" dirty="0"/>
+              <a:t>&lt;/</a:t>
+            </a:r>
+            <a:r>
+              <a:rPr lang="en" altLang="ko-KR" dirty="0"/>
+              <a:t>td&gt;</a:t>
+            </a:r>
+          </a:p>
+          <a:p>
+            <a:pPr marL="0" indent="0">
+              <a:buNone/>
+            </a:pPr>
+            <a:r>
+              <a:rPr lang="en" altLang="ko-KR" dirty="0"/>
+              <a:t>			&lt;td&gt;&lt;</a:t>
+            </a:r>
+            <a:r>
+              <a:rPr lang="en" altLang="ko-KR" dirty="0" err="1"/>
+              <a:t>textarea</a:t>
+            </a:r>
+            <a:r>
+              <a:rPr lang="en" altLang="ko-KR" dirty="0"/>
+              <a:t> rows=</a:t>
+            </a:r>
+            <a:r>
+              <a:rPr lang="en" altLang="ko-KR" i="1" dirty="0"/>
+              <a:t>"6"</a:t>
+            </a:r>
+            <a:r>
+              <a:rPr lang="en" altLang="ko-KR" dirty="0"/>
+              <a:t> cols=</a:t>
+            </a:r>
+            <a:r>
+              <a:rPr lang="en" altLang="ko-KR" i="1" dirty="0"/>
+              <a:t>"40"</a:t>
+            </a:r>
+            <a:r>
+              <a:rPr lang="en" altLang="ko-KR" dirty="0"/>
+              <a:t> name=</a:t>
+            </a:r>
+            <a:r>
+              <a:rPr lang="en" altLang="ko-KR" i="1" dirty="0"/>
+              <a:t>"</a:t>
+            </a:r>
+            <a:r>
+              <a:rPr lang="en" altLang="ko-KR" i="1" dirty="0" err="1"/>
+              <a:t>boardContent</a:t>
+            </a:r>
+            <a:r>
+              <a:rPr lang="en" altLang="ko-KR" i="1" dirty="0"/>
+              <a:t>"</a:t>
+            </a:r>
+            <a:r>
+              <a:rPr lang="en" altLang="ko-KR" dirty="0"/>
+              <a:t>&gt;&lt;/</a:t>
+            </a:r>
+            <a:r>
+              <a:rPr lang="en" altLang="ko-KR" dirty="0" err="1"/>
+              <a:t>textarea</a:t>
+            </a:r>
+            <a:r>
+              <a:rPr lang="en" altLang="ko-KR" dirty="0"/>
+              <a:t>&gt;&lt;/td&gt;</a:t>
+            </a:r>
+          </a:p>
+          <a:p>
+            <a:pPr marL="0" indent="0">
+              <a:buNone/>
+            </a:pPr>
+            <a:r>
+              <a:rPr lang="en" altLang="ko-KR" dirty="0"/>
+              <a:t>		&lt;/</a:t>
+            </a:r>
+            <a:r>
+              <a:rPr lang="en" altLang="ko-KR" dirty="0" err="1"/>
+              <a:t>tr</a:t>
+            </a:r>
+            <a:r>
+              <a:rPr lang="en" altLang="ko-KR" dirty="0"/>
+              <a:t>&gt;</a:t>
+            </a:r>
+          </a:p>
+          <a:p>
+            <a:pPr marL="0" indent="0">
+              <a:buNone/>
+            </a:pPr>
+            <a:r>
+              <a:rPr lang="en" altLang="ko-KR" dirty="0"/>
+              <a:t>		&lt;</a:t>
+            </a:r>
+            <a:r>
+              <a:rPr lang="en" altLang="ko-KR" dirty="0" err="1"/>
+              <a:t>tr</a:t>
+            </a:r>
+            <a:r>
+              <a:rPr lang="en" altLang="ko-KR" dirty="0"/>
+              <a:t>&gt;&lt;</a:t>
+            </a:r>
+            <a:r>
+              <a:rPr lang="en" altLang="ko-KR" dirty="0" err="1"/>
+              <a:t>th</a:t>
             </a:r>
             <a:r>
               <a:rPr lang="en" altLang="ko-KR" dirty="0"/>
@@ -8782,19 +8950,56 @@
             </a:r>
             <a:r>
               <a:rPr lang="en" altLang="ko-KR" dirty="0" err="1"/>
-              <a:t>doGet</a:t>
-            </a:r>
-            <a:r>
-              <a:rPr lang="en" altLang="ko-KR" dirty="0"/>
-              <a:t>(</a:t>
-            </a:r>
-            <a:r>
-              <a:rPr lang="en" altLang="ko-KR" dirty="0" err="1"/>
-              <a:t>HttpServletRequest</a:t>
-            </a:r>
-            <a:r>
-              <a:rPr lang="en" altLang="ko-KR" dirty="0"/>
-              <a:t> request, </a:t>
+              <a:t>colspan</a:t>
+            </a:r>
+            <a:r>
+              <a:rPr lang="en" altLang="ko-KR" dirty="0"/>
+              <a:t>=</a:t>
+            </a:r>
+            <a:r>
+              <a:rPr lang="en" altLang="ko-KR" i="1" dirty="0"/>
+              <a:t>2</a:t>
+            </a:r>
+            <a:r>
+              <a:rPr lang="en" altLang="ko-KR" dirty="0"/>
+              <a:t>&gt;</a:t>
+            </a:r>
+          </a:p>
+          <a:p>
+            <a:pPr marL="0" indent="0">
+              <a:buNone/>
+            </a:pPr>
+            <a:r>
+              <a:rPr lang="en" altLang="ko-KR" dirty="0"/>
+              <a:t>			&lt;input type=</a:t>
+            </a:r>
+            <a:r>
+              <a:rPr lang="en" altLang="ko-KR" i="1" dirty="0"/>
+              <a:t>"submit"</a:t>
+            </a:r>
+            <a:r>
+              <a:rPr lang="en" altLang="ko-KR" dirty="0"/>
+              <a:t> value=</a:t>
+            </a:r>
+            <a:r>
+              <a:rPr lang="en" altLang="ko-KR" i="1" dirty="0"/>
+              <a:t>"</a:t>
+            </a:r>
+            <a:r>
+              <a:rPr lang="ko-KR" altLang="en-US" i="1" dirty="0" err="1"/>
+              <a:t>게시글</a:t>
+            </a:r>
+            <a:r>
+              <a:rPr lang="ko-KR" altLang="en-US" i="1" dirty="0"/>
+              <a:t> 등록</a:t>
+            </a:r>
+            <a:r>
+              <a:rPr lang="en-US" altLang="ko-KR" i="1" dirty="0"/>
+              <a:t>"</a:t>
+            </a:r>
+            <a:r>
+              <a:rPr lang="en-US" altLang="ko-KR" dirty="0"/>
+              <a:t>&gt;</a:t>
             </a:r>
             <a:r>
               <a:rPr lang="ko-KR" altLang="en-US" dirty="0"/>
@@ -8806,273 +9011,54 @@
               <a:buNone/>
             </a:pPr>
             <a:r>
-              <a:rPr lang="ko-KR" altLang="en-US" dirty="0"/>
-              <a:t>               </a:t>
+              <a:rPr lang="en-US" altLang="ko-KR" dirty="0"/>
+              <a:t>		&lt;/</a:t>
             </a:r>
             <a:r>
               <a:rPr lang="en" altLang="ko-KR" dirty="0" err="1"/>
-              <a:t>HttpServletResponse</a:t>
-            </a:r>
-            <a:r>
-              <a:rPr lang="en" altLang="ko-KR" dirty="0"/>
-              <a:t> response) </a:t>
-            </a:r>
-            <a:r>
-              <a:rPr lang="en" altLang="ko-KR" b="1" dirty="0"/>
-              <a:t>throws</a:t>
-            </a:r>
-            <a:r>
-              <a:rPr lang="en-US" altLang="ko-KR" dirty="0"/>
-              <a:t>. </a:t>
-            </a:r>
-            <a:r>
-              <a:rPr lang="ko-KR" altLang="en-US" dirty="0"/>
-              <a:t>         </a:t>
-            </a:r>
+              <a:t>th</a:t>
+            </a:r>
+            <a:r>
+              <a:rPr lang="en" altLang="ko-KR" dirty="0"/>
+              <a:t>&gt;&lt;/</a:t>
+            </a:r>
+            <a:r>
+              <a:rPr lang="en" altLang="ko-KR" dirty="0" err="1"/>
+              <a:t>tr</a:t>
+            </a:r>
+            <a:r>
+              <a:rPr lang="en" altLang="ko-KR" dirty="0"/>
+              <a:t>&gt;</a:t>
+            </a:r>
+          </a:p>
+          <a:p>
+            <a:pPr marL="0" indent="0">
+              <a:buNone/>
+            </a:pPr>
+            <a:r>
+              <a:rPr lang="en" altLang="ko-KR" dirty="0"/>
+              <a:t>	&lt;/table&gt;</a:t>
+            </a:r>
+          </a:p>
+          <a:p>
+            <a:pPr marL="0" indent="0">
+              <a:buNone/>
+            </a:pPr>
+            <a:r>
+              <a:rPr lang="en" altLang="ko-KR" dirty="0"/>
+              <a:t>&lt;/form&gt;</a:t>
+            </a:r>
+          </a:p>
+          <a:p>
+            <a:pPr marL="0" indent="0">
+              <a:buNone/>
+            </a:pPr>
             <a:endParaRPr lang="en-US" altLang="ko-KR" dirty="0"/>
           </a:p>
           <a:p>
             <a:pPr marL="0" indent="0">
               <a:buNone/>
             </a:pPr>
-            <a:r>
-              <a:rPr lang="ko-KR" altLang="en-US" dirty="0"/>
-              <a:t>                           </a:t>
-            </a:r>
-            <a:r>
-              <a:rPr lang="en" altLang="ko-KR" dirty="0" err="1"/>
-              <a:t>ServletException</a:t>
-            </a:r>
-            <a:r>
-              <a:rPr lang="en" altLang="ko-KR" dirty="0"/>
-              <a:t>, </a:t>
-            </a:r>
-            <a:r>
-              <a:rPr lang="en" altLang="ko-KR" dirty="0" err="1"/>
-              <a:t>IOException</a:t>
-            </a:r>
-            <a:r>
-              <a:rPr lang="en" altLang="ko-KR" dirty="0"/>
-              <a:t> {</a:t>
-            </a:r>
-          </a:p>
-          <a:p>
-            <a:pPr marL="0" indent="0">
-              <a:buNone/>
-            </a:pPr>
-            <a:r>
-              <a:rPr kumimoji="1" lang="ko-KR" altLang="en-US" dirty="0"/>
-              <a:t>        </a:t>
-            </a:r>
-            <a:r>
-              <a:rPr kumimoji="1" lang="en-US" altLang="ko-KR" dirty="0"/>
-              <a:t>…</a:t>
-            </a:r>
-          </a:p>
-          <a:p>
-            <a:pPr marL="0" indent="0">
-              <a:buNone/>
-            </a:pPr>
-            <a:r>
-              <a:rPr kumimoji="1" lang="ko-KR" altLang="en-US" dirty="0"/>
-              <a:t>        </a:t>
-            </a:r>
-            <a:r>
-              <a:rPr kumimoji="1" lang="en-US" altLang="ko-KR" dirty="0"/>
-              <a:t>if(){</a:t>
-            </a:r>
-          </a:p>
-          <a:p>
-            <a:pPr marL="0" indent="0">
-              <a:buNone/>
-            </a:pPr>
-            <a:r>
-              <a:rPr kumimoji="1" lang="en-US" altLang="ko-KR" dirty="0"/>
-              <a:t>        …</a:t>
-            </a:r>
-          </a:p>
-          <a:p>
-            <a:pPr marL="0" indent="0">
-              <a:buNone/>
-            </a:pPr>
-            <a:r>
-              <a:rPr kumimoji="1" lang="ko-KR" altLang="en-US" dirty="0"/>
-              <a:t>        </a:t>
-            </a:r>
-            <a:r>
-              <a:rPr kumimoji="1" lang="en-US" altLang="ko-KR" dirty="0"/>
-              <a:t>}</a:t>
-            </a:r>
-            <a:r>
-              <a:rPr kumimoji="1" lang="en-US" altLang="ko-KR" dirty="0">
-                <a:solidFill>
-                  <a:srgbClr val="FF0000"/>
-                </a:solidFill>
-              </a:rPr>
-              <a:t>else if(</a:t>
-            </a:r>
-            <a:r>
-              <a:rPr lang="en" altLang="ko-KR" dirty="0">
-                <a:solidFill>
-                  <a:srgbClr val="FF0000"/>
-                </a:solidFill>
-              </a:rPr>
-              <a:t>command.equals("/boardWrite.</a:t>
-            </a:r>
-            <a:r>
-              <a:rPr lang="en-US" altLang="ko-KR" dirty="0" err="1">
-                <a:solidFill>
-                  <a:srgbClr val="FF0000"/>
-                </a:solidFill>
-              </a:rPr>
-              <a:t>naver</a:t>
-            </a:r>
-            <a:r>
-              <a:rPr lang="en" altLang="ko-KR" dirty="0">
-                <a:solidFill>
-                  <a:srgbClr val="FF0000"/>
-                </a:solidFill>
-              </a:rPr>
-              <a:t>”</a:t>
-            </a:r>
-            <a:r>
-              <a:rPr kumimoji="1" lang="en-US" altLang="ko-KR" dirty="0">
-                <a:solidFill>
-                  <a:srgbClr val="FF0000"/>
-                </a:solidFill>
-              </a:rPr>
-              <a:t>)){</a:t>
-            </a:r>
-          </a:p>
-          <a:p>
-            <a:pPr marL="0" indent="0">
-              <a:buNone/>
-            </a:pPr>
-            <a:r>
-              <a:rPr kumimoji="1" lang="en-US" altLang="ko-KR" dirty="0">
-                <a:solidFill>
-                  <a:srgbClr val="FF0000"/>
-                </a:solidFill>
-              </a:rPr>
-              <a:t>              </a:t>
-            </a:r>
-            <a:r>
-              <a:rPr lang="en" altLang="ko-KR" dirty="0" err="1">
-                <a:solidFill>
-                  <a:srgbClr val="FF0000"/>
-                </a:solidFill>
-              </a:rPr>
-              <a:t>RequestDispatcher</a:t>
-            </a:r>
-            <a:r>
-              <a:rPr lang="en" altLang="ko-KR" dirty="0">
-                <a:solidFill>
-                  <a:srgbClr val="FF0000"/>
-                </a:solidFill>
-              </a:rPr>
-              <a:t> dispatcher =     </a:t>
-            </a:r>
-          </a:p>
-          <a:p>
-            <a:pPr marL="0" indent="0">
-              <a:buNone/>
-            </a:pPr>
-            <a:r>
-              <a:rPr lang="en" altLang="ko-KR" dirty="0">
-                <a:solidFill>
-                  <a:srgbClr val="FF0000"/>
-                </a:solidFill>
-              </a:rPr>
-              <a:t>                                 </a:t>
-            </a:r>
-            <a:r>
-              <a:rPr lang="en" altLang="ko-KR" dirty="0" err="1">
-                <a:solidFill>
-                  <a:srgbClr val="FF0000"/>
-                </a:solidFill>
-              </a:rPr>
-              <a:t>request.getRequestDispatcher</a:t>
-            </a:r>
-            <a:r>
-              <a:rPr lang="en" altLang="ko-KR" dirty="0">
-                <a:solidFill>
-                  <a:srgbClr val="FF0000"/>
-                </a:solidFill>
-              </a:rPr>
-              <a:t>("/board/</a:t>
-            </a:r>
-            <a:r>
-              <a:rPr lang="en" altLang="ko-KR" dirty="0" err="1">
-                <a:solidFill>
-                  <a:srgbClr val="FF0000"/>
-                </a:solidFill>
-              </a:rPr>
-              <a:t>boardForm.jsp</a:t>
-            </a:r>
-            <a:r>
-              <a:rPr lang="en" altLang="ko-KR" dirty="0">
-                <a:solidFill>
-                  <a:srgbClr val="FF0000"/>
-                </a:solidFill>
-              </a:rPr>
-              <a:t>");</a:t>
-            </a:r>
-          </a:p>
-          <a:p>
-            <a:pPr marL="0" indent="0">
-              <a:buNone/>
-            </a:pPr>
-            <a:r>
-              <a:rPr lang="en" altLang="ko-KR" dirty="0">
-                <a:solidFill>
-                  <a:srgbClr val="FF0000"/>
-                </a:solidFill>
-              </a:rPr>
-              <a:t>               </a:t>
-            </a:r>
-            <a:r>
-              <a:rPr lang="en" altLang="ko-KR" dirty="0" err="1">
-                <a:solidFill>
-                  <a:srgbClr val="FF0000"/>
-                </a:solidFill>
-              </a:rPr>
-              <a:t>dispatcher.forward</a:t>
-            </a:r>
-            <a:r>
-              <a:rPr lang="en" altLang="ko-KR" dirty="0">
-                <a:solidFill>
-                  <a:srgbClr val="FF0000"/>
-                </a:solidFill>
-              </a:rPr>
-              <a:t>(request, response);</a:t>
-            </a:r>
-            <a:endParaRPr kumimoji="1" lang="en-US" altLang="ko-KR" dirty="0">
-              <a:solidFill>
-                <a:srgbClr val="FF0000"/>
-              </a:solidFill>
-            </a:endParaRPr>
-          </a:p>
-          <a:p>
-            <a:pPr marL="0" indent="0">
-              <a:buNone/>
-            </a:pPr>
-            <a:r>
-              <a:rPr kumimoji="1" lang="en-US" altLang="ko-KR" dirty="0">
-                <a:solidFill>
-                  <a:srgbClr val="FF0000"/>
-                </a:solidFill>
-              </a:rPr>
-              <a:t>        }</a:t>
-            </a:r>
-          </a:p>
-          <a:p>
-            <a:pPr marL="0" indent="0">
-              <a:buNone/>
-            </a:pPr>
-            <a:r>
-              <a:rPr kumimoji="1" lang="en-US" altLang="ko-KR" dirty="0"/>
-              <a:t>}</a:t>
-            </a:r>
             <a:endParaRPr kumimoji="1" lang="ko-KR" altLang="en-US" dirty="0"/>
           </a:p>
         </p:txBody>
@@ -9080,7 +9066,7 @@
     </p:spTree>
     <p:extLst>
       <p:ext uri="{BB962C8B-B14F-4D97-AF65-F5344CB8AC3E}">
-        <p14:creationId xmlns:p14="http://schemas.microsoft.com/office/powerpoint/2010/main" val="159709083"/>
+        <p14:creationId xmlns:p14="http://schemas.microsoft.com/office/powerpoint/2010/main" val="529139653"/>
       </p:ext>
     </p:extLst>
   </p:cSld>
@@ -9398,7 +9384,19 @@
             </a:r>
             <a:r>
               <a:rPr lang="en" altLang="ko-KR" i="1" dirty="0"/>
-              <a:t>“boardRegist.naver”</a:t>
+              <a:t>“</a:t>
+            </a:r>
+            <a:r>
+              <a:rPr lang="en" altLang="ko-KR" i="1" dirty="0">
+                <a:solidFill>
+                  <a:srgbClr val="FF0000"/>
+                </a:solidFill>
+              </a:rPr>
+              <a:t>boardRegist.naver</a:t>
+            </a:r>
+            <a:r>
+              <a:rPr lang="en" altLang="ko-KR" i="1" dirty="0"/>
+              <a:t>”</a:t>
             </a:r>
             <a:r>
               <a:rPr lang="en" altLang="ko-KR" dirty="0"/>
@@ -9406,7 +9404,19 @@
             </a:r>
             <a:r>
               <a:rPr lang="en" altLang="ko-KR" i="1" dirty="0"/>
-              <a:t>“post"</a:t>
+              <a:t>“</a:t>
+            </a:r>
+            <a:r>
+              <a:rPr lang="en" altLang="ko-KR" i="1" dirty="0">
+                <a:solidFill>
+                  <a:srgbClr val="FF0000"/>
+                </a:solidFill>
+              </a:rPr>
+              <a:t>post</a:t>
+            </a:r>
+            <a:r>
+              <a:rPr lang="en" altLang="ko-KR" i="1" dirty="0"/>
+              <a:t>"</a:t>
             </a:r>
             <a:r>
               <a:rPr lang="en" altLang="ko-KR" dirty="0"/>
@@ -10118,7 +10128,19 @@
             </a:r>
             <a:r>
               <a:rPr lang="en" altLang="ko-KR" dirty="0"/>
-              <a:t> doPost(</a:t>
+              <a:t> </a:t>
+            </a:r>
+            <a:r>
+              <a:rPr lang="en" altLang="ko-KR" dirty="0">
+                <a:solidFill>
+                  <a:srgbClr val="7030A0"/>
+                </a:solidFill>
+              </a:rPr>
+              <a:t>doPost</a:t>
+            </a:r>
+            <a:r>
+              <a:rPr lang="en" altLang="ko-KR" dirty="0"/>
+              <a:t>(</a:t>
             </a:r>
             <a:r>
               <a:rPr lang="en" altLang="ko-KR" u="sng" dirty="0"/>
@@ -13459,7 +13481,7 @@
 </file>
 
 <file path=ppt/slides/slide49.xml><?xml version="1.0" encoding="utf-8"?>
-<p:sld xmlns:r="http://schemas.openxmlformats.org/officeDocument/2006/relationships" xmlns:c="http://schemas.openxmlformats.org/drawingml/2006/chart" xmlns:a="http://schemas.openxmlformats.org/drawingml/2006/main" xmlns:dgm="http://schemas.openxmlformats.org/drawingml/2006/diagram" xmlns:dsp="http://schemas.microsoft.com/office/drawing/2008/diagram" xmlns:p="http://schemas.openxmlformats.org/presentationml/2006/main">
+<p:sld xmlns:a="http://schemas.openxmlformats.org/drawingml/2006/main" xmlns:r="http://schemas.openxmlformats.org/officeDocument/2006/relationships" xmlns:p="http://schemas.openxmlformats.org/presentationml/2006/main">
   <p:cSld>
     <p:spTree>
       <p:nvGrpSpPr>
@@ -13521,7 +13543,6 @@
               <a:rPr kumimoji="1" lang="en-US" altLang="ko-KR"/>
               <a:t>,</a:t>
             </a:r>
-            <a:endParaRPr kumimoji="1" lang="en-US" altLang="ko-KR"/>
           </a:p>
           <a:p>
             <a:pPr marL="0" indent="0">
@@ -13552,7 +13573,6 @@
               <a:rPr kumimoji="1" lang="en-US" altLang="ko-KR"/>
               <a:t>.</a:t>
             </a:r>
-            <a:endParaRPr kumimoji="1" lang="en-US" altLang="ko-KR"/>
           </a:p>
           <a:p>
             <a:pPr marL="0" indent="0">
@@ -13567,7 +13587,6 @@
               <a:rPr lang="en" altLang="ko-KR"/>
               <a:t> model.DAO;</a:t>
             </a:r>
-            <a:endParaRPr lang="en" altLang="ko-KR"/>
           </a:p>
           <a:p>
             <a:pPr marL="0" indent="0">
@@ -13594,7 +13613,6 @@
               <a:rPr lang="en-US" altLang="ko-KR"/>
               <a:t>{</a:t>
             </a:r>
-            <a:endParaRPr lang="en-US" altLang="ko-KR"/>
           </a:p>
           <a:p>
             <a:pPr marL="457200" lvl="1" indent="0">
@@ -13605,7 +13623,6 @@
               <a:rPr lang="en" altLang="ko-KR"/>
               <a:t>String jdbcURL;</a:t>
             </a:r>
-            <a:endParaRPr lang="en" altLang="ko-KR"/>
           </a:p>
           <a:p>
             <a:pPr marL="457200" lvl="1" indent="0">
@@ -13616,7 +13633,6 @@
               <a:rPr lang="en" altLang="ko-KR"/>
               <a:t>String jdbcDriver;</a:t>
             </a:r>
-            <a:endParaRPr lang="en" altLang="ko-KR"/>
           </a:p>
           <a:p>
             <a:pPr marL="457200" lvl="1" indent="0">
@@ -13627,7 +13643,6 @@
               <a:rPr lang="en" altLang="ko-KR"/>
               <a:t>Connection con;</a:t>
             </a:r>
-            <a:endParaRPr lang="en" altLang="ko-KR"/>
           </a:p>
           <a:p>
             <a:pPr marL="457200" lvl="1" indent="0">
@@ -13638,7 +13653,6 @@
               <a:rPr lang="en" altLang="ko-KR"/>
               <a:t>PreparedStatement pstmt;</a:t>
             </a:r>
-            <a:endParaRPr lang="en" altLang="ko-KR"/>
           </a:p>
           <a:p>
             <a:pPr marL="457200" lvl="1" indent="0">
@@ -13649,7 +13663,6 @@
               <a:rPr lang="en" altLang="ko-KR"/>
               <a:t>ResultSet rs;</a:t>
             </a:r>
-            <a:endParaRPr lang="en" altLang="ko-KR"/>
           </a:p>
           <a:p>
             <a:pPr marL="457200" lvl="1" indent="0">
@@ -13664,7 +13677,6 @@
               <a:rPr lang="en" altLang="ko-KR"/>
               <a:t> BoardDAO() {</a:t>
             </a:r>
-            <a:endParaRPr lang="en" altLang="ko-KR"/>
           </a:p>
           <a:p>
             <a:pPr marL="457200" lvl="1" indent="0">
@@ -13679,7 +13691,6 @@
               <a:rPr lang="en-US" altLang="ko-KR"/>
               <a:t>jdbcDriver = "oracle.jdbc.driver.OracleDriver";</a:t>
             </a:r>
-            <a:endParaRPr lang="en-US" altLang="ko-KR"/>
           </a:p>
           <a:p>
             <a:pPr marL="457200" lvl="1" indent="0">
@@ -13690,7 +13701,6 @@
               <a:rPr lang="en-US" altLang="ko-KR"/>
               <a:t>	jdbcURL = "jdbc:oracle:thin:@localhost:1521:xe";</a:t>
             </a:r>
-            <a:endParaRPr lang="en-US" altLang="ko-KR"/>
           </a:p>
           <a:p>
             <a:pPr marL="457200" lvl="1" indent="0">
@@ -13701,7 +13711,6 @@
               <a:rPr lang="en" altLang="ko-KR"/>
               <a:t>}</a:t>
             </a:r>
-            <a:endParaRPr lang="en" altLang="ko-KR"/>
           </a:p>
           <a:p>
             <a:pPr marL="457200" lvl="1" indent="0">
@@ -13716,7 +13725,6 @@
               <a:rPr lang="en" altLang="ko-KR"/>
               <a:t> Connection getConnection() {</a:t>
             </a:r>
-            <a:endParaRPr lang="en" altLang="ko-KR"/>
           </a:p>
           <a:p>
             <a:pPr marL="914400" lvl="2" indent="0">
@@ -13735,7 +13743,6 @@
               <a:rPr lang="en" altLang="ko-KR"/>
               <a:t>;</a:t>
             </a:r>
-            <a:endParaRPr lang="en" altLang="ko-KR"/>
           </a:p>
           <a:p>
             <a:pPr marL="914400" lvl="2" indent="0">
@@ -13750,7 +13757,6 @@
               <a:rPr lang="en" altLang="ko-KR"/>
               <a:t> {</a:t>
             </a:r>
-            <a:endParaRPr lang="en" altLang="ko-KR"/>
           </a:p>
           <a:p>
             <a:pPr marL="914400" lvl="2" indent="0">
@@ -13769,7 +13775,6 @@
               <a:rPr lang="en" altLang="ko-KR"/>
               <a:t>(jdbcDriver);</a:t>
             </a:r>
-            <a:endParaRPr lang="en" altLang="ko-KR"/>
           </a:p>
           <a:p>
             <a:pPr marL="914400" lvl="2" indent="0">
@@ -13780,7 +13785,6 @@
               <a:rPr lang="en-US" altLang="ko-KR"/>
               <a:t>conn = DriverManager.getConnection(jdbcURL,"rhee","1234");</a:t>
             </a:r>
-            <a:endParaRPr lang="en-US" altLang="ko-KR"/>
           </a:p>
           <a:p>
             <a:pPr marL="914400" lvl="2" indent="0">
@@ -13799,7 +13803,6 @@
               <a:rPr lang="en" altLang="ko-KR"/>
               <a:t>(Exception e) {e.printStackTrace();}</a:t>
             </a:r>
-            <a:endParaRPr lang="en" altLang="ko-KR"/>
           </a:p>
           <a:p>
             <a:pPr marL="914400" lvl="2" indent="0">
@@ -13814,7 +13817,6 @@
               <a:rPr lang="en" altLang="ko-KR"/>
               <a:t> conn;</a:t>
             </a:r>
-            <a:endParaRPr lang="en" altLang="ko-KR"/>
           </a:p>
           <a:p>
             <a:pPr marL="457200" lvl="1" indent="0">
@@ -13825,7 +13827,6 @@
               <a:rPr lang="en" altLang="ko-KR"/>
               <a:t>}</a:t>
             </a:r>
-            <a:endParaRPr lang="en" altLang="ko-KR"/>
           </a:p>
           <a:p>
             <a:pPr marL="0" indent="0">
@@ -13845,11 +13846,11 @@
   <p:clrMapOvr>
     <a:masterClrMapping/>
   </p:clrMapOvr>
-  <mc:AlternateContent xmlns:mc="http://schemas.openxmlformats.org/markup-compatibility/2006">
-    <mc:Choice xmlns:p14="http://schemas.microsoft.com/office/powerpoint/2010/main" Requires="p14">
-      <p:transition xmlns:mc="http://schemas.openxmlformats.org/markup-compatibility/2006" xmlns:p14="http://schemas.microsoft.com/office/powerpoint/2010/main" mc:Ignorable="p14" p14:dur="500"/>
+  <mc:AlternateContent xmlns:mc="http://schemas.openxmlformats.org/markup-compatibility/2006" xmlns:p14="http://schemas.microsoft.com/office/powerpoint/2010/main">
+    <mc:Choice Requires="p14">
+      <p:transition/>
     </mc:Choice>
-    <mc:Fallback>
+    <mc:Fallback xmlns:dsp="http://schemas.microsoft.com/office/drawing/2008/diagram" xmlns:dgm="http://schemas.openxmlformats.org/drawingml/2006/diagram" xmlns:c="http://schemas.openxmlformats.org/drawingml/2006/chart" xmlns="">
       <p:transition/>
     </mc:Fallback>
   </mc:AlternateContent>
@@ -28081,49 +28082,49 @@
 </file>
 
 <file path=ppt/theme/theme1.xml><?xml version="1.0" encoding="utf-8"?>
-<a:theme xmlns:r="http://schemas.openxmlformats.org/officeDocument/2006/relationships" xmlns:c="http://schemas.openxmlformats.org/drawingml/2006/chart" xmlns:dgm="http://schemas.openxmlformats.org/drawingml/2006/diagram" xmlns:dsp="http://schemas.microsoft.com/office/drawing/2008/diagram" xmlns:a="http://schemas.openxmlformats.org/drawingml/2006/main" xmlns:pic="http://schemas.openxmlformats.org/drawingml/2006/picture" xmlns:wp="http://schemas.openxmlformats.org/drawingml/2006/wordprocessingDrawing" xmlns:xdr="http://schemas.openxmlformats.org/drawingml/2006/spreadsheetDrawing" xmlns:p="http://schemas.openxmlformats.org/presentationml/2006/main" name="Office 테마">
+<a:theme xmlns:a="http://schemas.openxmlformats.org/drawingml/2006/main" name="Office 테마">
   <a:themeElements>
     <a:clrScheme name="Office">
       <a:dk1>
         <a:sysClr val="windowText" lastClr="000000"/>
       </a:dk1>
       <a:lt1>
-        <a:sysClr val="window" lastClr="ffffff"/>
+        <a:sysClr val="window" lastClr="FFFFFF"/>
       </a:lt1>
       <a:dk2>
-        <a:srgbClr val="44546a"/>
+        <a:srgbClr val="44546A"/>
       </a:dk2>
       <a:lt2>
-        <a:srgbClr val="e7e6e6"/>
+        <a:srgbClr val="E7E6E6"/>
       </a:lt2>
       <a:accent1>
-        <a:srgbClr val="4472c4"/>
+        <a:srgbClr val="4472C4"/>
       </a:accent1>
       <a:accent2>
-        <a:srgbClr val="ed7d31"/>
+        <a:srgbClr val="ED7D31"/>
       </a:accent2>
       <a:accent3>
-        <a:srgbClr val="a5a5a5"/>
+        <a:srgbClr val="A5A5A5"/>
       </a:accent3>
       <a:accent4>
-        <a:srgbClr val="ffc000"/>
+        <a:srgbClr val="FFC000"/>
       </a:accent4>
       <a:accent5>
-        <a:srgbClr val="5b9bd5"/>
+        <a:srgbClr val="5B9BD5"/>
       </a:accent5>
       <a:accent6>
-        <a:srgbClr val="70ad47"/>
+        <a:srgbClr val="70AD47"/>
       </a:accent6>
       <a:hlink>
-        <a:srgbClr val="0563c1"/>
+        <a:srgbClr val="0563C1"/>
       </a:hlink>
       <a:folHlink>
-        <a:srgbClr val="954f72"/>
+        <a:srgbClr val="954F72"/>
       </a:folHlink>
     </a:clrScheme>
     <a:fontScheme name="Office">
       <a:majorFont>
-        <a:latin typeface="맑은 고딕" panose="20"/>
+        <a:latin typeface="맑은 고딕" panose="20000000000000000000"/>
         <a:ea typeface=""/>
         <a:cs typeface=""/>
         <a:font script="Jpan" typeface="Yu Gothic Light"/>
@@ -28175,7 +28176,7 @@
         <a:font script="Tfng" typeface="Ebrima"/>
       </a:majorFont>
       <a:minorFont>
-        <a:latin typeface="맑은 고딕" panose="20"/>
+        <a:latin typeface="맑은 고딕" panose="20000000000000000000"/>
         <a:ea typeface=""/>
         <a:cs typeface=""/>
         <a:font script="Jpan" typeface="Yu Gothic"/>
@@ -28365,53 +28366,55 @@
       </a:bgFillStyleLst>
     </a:fmtScheme>
   </a:themeElements>
+  <a:objectDefaults/>
+  <a:extraClrSchemeLst/>
 </a:theme>
 </file>
 
 <file path=ppt/theme/theme2.xml><?xml version="1.0" encoding="utf-8"?>
-<a:theme xmlns:r="http://schemas.openxmlformats.org/officeDocument/2006/relationships" xmlns:c="http://schemas.openxmlformats.org/drawingml/2006/chart" xmlns:dgm="http://schemas.openxmlformats.org/drawingml/2006/diagram" xmlns:dsp="http://schemas.microsoft.com/office/drawing/2008/diagram" xmlns:a="http://schemas.openxmlformats.org/drawingml/2006/main" xmlns:pic="http://schemas.openxmlformats.org/drawingml/2006/picture" xmlns:wp="http://schemas.openxmlformats.org/drawingml/2006/wordprocessingDrawing" xmlns:xdr="http://schemas.openxmlformats.org/drawingml/2006/spreadsheetDrawing" xmlns:p="http://schemas.openxmlformats.org/presentationml/2006/main" name="Office 테마">
+<a:theme xmlns:a="http://schemas.openxmlformats.org/drawingml/2006/main" name="Office 테마">
   <a:themeElements>
     <a:clrScheme name="Office">
       <a:dk1>
         <a:sysClr val="windowText" lastClr="000000"/>
       </a:dk1>
       <a:lt1>
-        <a:sysClr val="window" lastClr="ffffff"/>
+        <a:sysClr val="window" lastClr="FFFFFF"/>
       </a:lt1>
       <a:dk2>
-        <a:srgbClr val="44546a"/>
+        <a:srgbClr val="44546A"/>
       </a:dk2>
       <a:lt2>
-        <a:srgbClr val="e7e6e6"/>
+        <a:srgbClr val="E7E6E6"/>
       </a:lt2>
       <a:accent1>
-        <a:srgbClr val="4472c4"/>
+        <a:srgbClr val="4472C4"/>
       </a:accent1>
       <a:accent2>
-        <a:srgbClr val="ed7d31"/>
+        <a:srgbClr val="ED7D31"/>
       </a:accent2>
       <a:accent3>
-        <a:srgbClr val="a5a5a5"/>
+        <a:srgbClr val="A5A5A5"/>
       </a:accent3>
       <a:accent4>
-        <a:srgbClr val="ffc000"/>
+        <a:srgbClr val="FFC000"/>
       </a:accent4>
       <a:accent5>
-        <a:srgbClr val="5b9bd5"/>
+        <a:srgbClr val="5B9BD5"/>
       </a:accent5>
       <a:accent6>
-        <a:srgbClr val="70ad47"/>
+        <a:srgbClr val="70AD47"/>
       </a:accent6>
       <a:hlink>
-        <a:srgbClr val="0563c1"/>
+        <a:srgbClr val="0563C1"/>
       </a:hlink>
       <a:folHlink>
-        <a:srgbClr val="954f72"/>
+        <a:srgbClr val="954F72"/>
       </a:folHlink>
     </a:clrScheme>
     <a:fontScheme name="Office">
       <a:majorFont>
-        <a:latin typeface="맑은 고딕" panose="20"/>
+        <a:latin typeface="맑은 고딕" panose="20000000000000000000"/>
         <a:ea typeface=""/>
         <a:cs typeface=""/>
         <a:font script="Jpan" typeface="Yu Gothic Light"/>
@@ -28463,7 +28466,7 @@
         <a:font script="Tfng" typeface="Ebrima"/>
       </a:majorFont>
       <a:minorFont>
-        <a:latin typeface="맑은 고딕" panose="20"/>
+        <a:latin typeface="맑은 고딕" panose="20000000000000000000"/>
         <a:ea typeface=""/>
         <a:cs typeface=""/>
         <a:font script="Jpan" typeface="Yu Gothic"/>
@@ -28653,5 +28656,7 @@
       </a:bgFillStyleLst>
     </a:fmtScheme>
   </a:themeElements>
+  <a:objectDefaults/>
+  <a:extraClrSchemeLst/>
 </a:theme>
 </file>